--- a/Новая презентация (1).pptx
+++ b/Новая презентация (1).pptx
@@ -1,6 +1,6 @@
 
 <file path=ppt/presentation.xml><?xml version="1.0" encoding="utf-8"?>
-<p:presentation xmlns:a="http://schemas.openxmlformats.org/drawingml/2006/main" xmlns:r="http://schemas.openxmlformats.org/officeDocument/2006/relationships" xmlns:mc="http://schemas.openxmlformats.org/markup-compatibility/2006" xmlns:mv="urn:schemas-microsoft-com:mac:vml" xmlns:p="http://schemas.openxmlformats.org/presentationml/2006/main" xmlns:c="http://schemas.openxmlformats.org/drawingml/2006/chart" xmlns:dgm="http://schemas.openxmlformats.org/drawingml/2006/diagram" xmlns:o="urn:schemas-microsoft-com:office:office" xmlns:v="urn:schemas-microsoft-com:vml" xmlns:pvml="urn:schemas-microsoft-com:office:powerpoint" xmlns:com="http://schemas.openxmlformats.org/drawingml/2006/compatibility" xmlns:p14="http://schemas.microsoft.com/office/powerpoint/2010/main" xmlns:p15="http://schemas.microsoft.com/office/powerpoint/2012/main" xmlns:ahyp="http://schemas.microsoft.com/office/drawing/2018/hyperlinkcolor" autoCompressPictures="0" embedTrueTypeFonts="1" strictFirstAndLastChars="0" saveSubsetFonts="1">
+<p:presentation xmlns:a="http://schemas.openxmlformats.org/drawingml/2006/main" xmlns:r="http://schemas.openxmlformats.org/officeDocument/2006/relationships" xmlns:mc="http://schemas.openxmlformats.org/markup-compatibility/2006" xmlns:mv="urn:schemas-microsoft-com:mac:vml" xmlns:p="http://schemas.openxmlformats.org/presentationml/2006/main" xmlns:c="http://schemas.openxmlformats.org/drawingml/2006/chart" xmlns:dgm="http://schemas.openxmlformats.org/drawingml/2006/diagram" xmlns:o="urn:schemas-microsoft-com:office:office" xmlns:v="urn:schemas-microsoft-com:vml" xmlns:pvml="urn:schemas-microsoft-com:office:powerpoint" xmlns:com="http://schemas.openxmlformats.org/drawingml/2006/compatibility" xmlns:p14="http://schemas.microsoft.com/office/powerpoint/2010/main" xmlns:p15="http://schemas.microsoft.com/office/powerpoint/2012/main" xmlns:ahyp="http://schemas.microsoft.com/office/drawing/2018/hyperlinkcolor" autoCompressPictures="0" strictFirstAndLastChars="0" saveSubsetFonts="1">
   <p:sldMasterIdLst>
     <p:sldMasterId id="2147483659" r:id="rId4"/>
   </p:sldMasterIdLst>
@@ -20,19 +20,9 @@
     <p:sldId id="265" r:id="rId15"/>
     <p:sldId id="266" r:id="rId16"/>
     <p:sldId id="267" r:id="rId17"/>
-    <p:sldId id="268" r:id="rId18"/>
   </p:sldIdLst>
   <p:sldSz cy="5143500" cx="9144000"/>
   <p:notesSz cx="6858000" cy="9144000"/>
-  <p:embeddedFontLst>
-    <p:embeddedFont>
-      <p:font typeface="Roboto"/>
-      <p:regular r:id="rId19"/>
-      <p:bold r:id="rId20"/>
-      <p:italic r:id="rId21"/>
-      <p:boldItalic r:id="rId22"/>
-    </p:embeddedFont>
-  </p:embeddedFontLst>
   <p:defaultTextStyle>
     <a:defPPr lvl="0" marR="0" rtl="0" algn="l">
       <a:lnSpc>
@@ -811,7 +801,7 @@
   <p:cSld>
     <p:spTree>
       <p:nvGrpSpPr>
-        <p:cNvPr id="97" name="Shape 97"/>
+        <p:cNvPr id="96" name="Shape 96"/>
         <p:cNvGrpSpPr/>
         <p:nvPr/>
       </p:nvGrpSpPr>
@@ -825,7 +815,7 @@
       </p:grpSpPr>
       <p:sp>
         <p:nvSpPr>
-          <p:cNvPr id="98" name="Google Shape;98;g310266e6598_0_35:notes"/>
+          <p:cNvPr id="97" name="Google Shape;97;g311884c9c86_0_40:notes"/>
           <p:cNvSpPr/>
           <p:nvPr>
             <p:ph idx="2" type="sldImg"/>
@@ -860,7 +850,7 @@
       </p:sp>
       <p:sp>
         <p:nvSpPr>
-          <p:cNvPr id="99" name="Google Shape;99;g310266e6598_0_35:notes"/>
+          <p:cNvPr id="98" name="Google Shape;98;g311884c9c86_0_40:notes"/>
           <p:cNvSpPr txBox="1"/>
           <p:nvPr>
             <p:ph idx="1" type="body"/>
@@ -910,7 +900,7 @@
   <p:cSld>
     <p:spTree>
       <p:nvGrpSpPr>
-        <p:cNvPr id="102" name="Shape 102"/>
+        <p:cNvPr id="101" name="Shape 101"/>
         <p:cNvGrpSpPr/>
         <p:nvPr/>
       </p:nvGrpSpPr>
@@ -924,7 +914,7 @@
       </p:grpSpPr>
       <p:sp>
         <p:nvSpPr>
-          <p:cNvPr id="103" name="Google Shape;103;g310266e6598_0_40:notes"/>
+          <p:cNvPr id="102" name="Google Shape;102;g311884c9c86_1_9:notes"/>
           <p:cNvSpPr/>
           <p:nvPr>
             <p:ph idx="2" type="sldImg"/>
@@ -959,7 +949,7 @@
       </p:sp>
       <p:sp>
         <p:nvSpPr>
-          <p:cNvPr id="104" name="Google Shape;104;g310266e6598_0_40:notes"/>
+          <p:cNvPr id="103" name="Google Shape;103;g311884c9c86_1_9:notes"/>
           <p:cNvSpPr txBox="1"/>
           <p:nvPr>
             <p:ph idx="1" type="body"/>
@@ -1009,7 +999,7 @@
   <p:cSld>
     <p:spTree>
       <p:nvGrpSpPr>
-        <p:cNvPr id="107" name="Shape 107"/>
+        <p:cNvPr id="106" name="Shape 106"/>
         <p:cNvGrpSpPr/>
         <p:nvPr/>
       </p:nvGrpSpPr>
@@ -1023,7 +1013,7 @@
       </p:grpSpPr>
       <p:sp>
         <p:nvSpPr>
-          <p:cNvPr id="108" name="Google Shape;108;g310266e6598_0_45:notes"/>
+          <p:cNvPr id="107" name="Google Shape;107;g311884c9c86_0_45:notes"/>
           <p:cNvSpPr/>
           <p:nvPr>
             <p:ph idx="2" type="sldImg"/>
@@ -1058,7 +1048,7 @@
       </p:sp>
       <p:sp>
         <p:nvSpPr>
-          <p:cNvPr id="109" name="Google Shape;109;g310266e6598_0_45:notes"/>
+          <p:cNvPr id="108" name="Google Shape;108;g311884c9c86_0_45:notes"/>
           <p:cNvSpPr txBox="1"/>
           <p:nvPr>
             <p:ph idx="1" type="body"/>
@@ -1103,12 +1093,12 @@
 </p:notes>
 </file>
 
-<file path=ppt/notesSlides/notesSlide13.xml><?xml version="1.0" encoding="utf-8"?>
+<file path=ppt/notesSlides/notesSlide2.xml><?xml version="1.0" encoding="utf-8"?>
 <p:notes xmlns:a="http://schemas.openxmlformats.org/drawingml/2006/main" xmlns:r="http://schemas.openxmlformats.org/officeDocument/2006/relationships" xmlns:mc="http://schemas.openxmlformats.org/markup-compatibility/2006" xmlns:mv="urn:schemas-microsoft-com:mac:vml" xmlns:p="http://schemas.openxmlformats.org/presentationml/2006/main" xmlns:c="http://schemas.openxmlformats.org/drawingml/2006/chart" xmlns:dgm="http://schemas.openxmlformats.org/drawingml/2006/diagram" xmlns:o="urn:schemas-microsoft-com:office:office" xmlns:v="urn:schemas-microsoft-com:vml" xmlns:pvml="urn:schemas-microsoft-com:office:powerpoint" xmlns:com="http://schemas.openxmlformats.org/drawingml/2006/compatibility" xmlns:p14="http://schemas.microsoft.com/office/powerpoint/2010/main" xmlns:p15="http://schemas.microsoft.com/office/powerpoint/2012/main" xmlns:ahyp="http://schemas.microsoft.com/office/drawing/2018/hyperlinkcolor" showMasterPhAnim="0" showMasterSp="0">
   <p:cSld>
     <p:spTree>
       <p:nvGrpSpPr>
-        <p:cNvPr id="112" name="Shape 112"/>
+        <p:cNvPr id="56" name="Shape 56"/>
         <p:cNvGrpSpPr/>
         <p:nvPr/>
       </p:nvGrpSpPr>
@@ -1122,7 +1112,7 @@
       </p:grpSpPr>
       <p:sp>
         <p:nvSpPr>
-          <p:cNvPr id="113" name="Google Shape;113;g310266e6598_0_50:notes"/>
+          <p:cNvPr id="57" name="Google Shape;57;g311884c9c86_0_0:notes"/>
           <p:cNvSpPr/>
           <p:nvPr>
             <p:ph idx="2" type="sldImg"/>
@@ -1157,7 +1147,7 @@
       </p:sp>
       <p:sp>
         <p:nvSpPr>
-          <p:cNvPr id="114" name="Google Shape;114;g310266e6598_0_50:notes"/>
+          <p:cNvPr id="58" name="Google Shape;58;g311884c9c86_0_0:notes"/>
           <p:cNvSpPr txBox="1"/>
           <p:nvPr>
             <p:ph idx="1" type="body"/>
@@ -1202,12 +1192,12 @@
 </p:notes>
 </file>
 
-<file path=ppt/notesSlides/notesSlide2.xml><?xml version="1.0" encoding="utf-8"?>
+<file path=ppt/notesSlides/notesSlide3.xml><?xml version="1.0" encoding="utf-8"?>
 <p:notes xmlns:a="http://schemas.openxmlformats.org/drawingml/2006/main" xmlns:r="http://schemas.openxmlformats.org/officeDocument/2006/relationships" xmlns:mc="http://schemas.openxmlformats.org/markup-compatibility/2006" xmlns:mv="urn:schemas-microsoft-com:mac:vml" xmlns:p="http://schemas.openxmlformats.org/presentationml/2006/main" xmlns:c="http://schemas.openxmlformats.org/drawingml/2006/chart" xmlns:dgm="http://schemas.openxmlformats.org/drawingml/2006/diagram" xmlns:o="urn:schemas-microsoft-com:office:office" xmlns:v="urn:schemas-microsoft-com:vml" xmlns:pvml="urn:schemas-microsoft-com:office:powerpoint" xmlns:com="http://schemas.openxmlformats.org/drawingml/2006/compatibility" xmlns:p14="http://schemas.microsoft.com/office/powerpoint/2010/main" xmlns:p15="http://schemas.microsoft.com/office/powerpoint/2012/main" xmlns:ahyp="http://schemas.microsoft.com/office/drawing/2018/hyperlinkcolor" showMasterPhAnim="0" showMasterSp="0">
   <p:cSld>
     <p:spTree>
       <p:nvGrpSpPr>
-        <p:cNvPr id="57" name="Shape 57"/>
+        <p:cNvPr id="61" name="Shape 61"/>
         <p:cNvGrpSpPr/>
         <p:nvPr/>
       </p:nvGrpSpPr>
@@ -1221,7 +1211,7 @@
       </p:grpSpPr>
       <p:sp>
         <p:nvSpPr>
-          <p:cNvPr id="58" name="Google Shape;58;g310266e6598_0_71:notes"/>
+          <p:cNvPr id="62" name="Google Shape;62;g311884c9c86_0_5:notes"/>
           <p:cNvSpPr/>
           <p:nvPr>
             <p:ph idx="2" type="sldImg"/>
@@ -1256,7 +1246,7 @@
       </p:sp>
       <p:sp>
         <p:nvSpPr>
-          <p:cNvPr id="59" name="Google Shape;59;g310266e6598_0_71:notes"/>
+          <p:cNvPr id="63" name="Google Shape;63;g311884c9c86_0_5:notes"/>
           <p:cNvSpPr txBox="1"/>
           <p:nvPr>
             <p:ph idx="1" type="body"/>
@@ -1301,12 +1291,12 @@
 </p:notes>
 </file>
 
-<file path=ppt/notesSlides/notesSlide3.xml><?xml version="1.0" encoding="utf-8"?>
+<file path=ppt/notesSlides/notesSlide4.xml><?xml version="1.0" encoding="utf-8"?>
 <p:notes xmlns:a="http://schemas.openxmlformats.org/drawingml/2006/main" xmlns:r="http://schemas.openxmlformats.org/officeDocument/2006/relationships" xmlns:mc="http://schemas.openxmlformats.org/markup-compatibility/2006" xmlns:mv="urn:schemas-microsoft-com:mac:vml" xmlns:p="http://schemas.openxmlformats.org/presentationml/2006/main" xmlns:c="http://schemas.openxmlformats.org/drawingml/2006/chart" xmlns:dgm="http://schemas.openxmlformats.org/drawingml/2006/diagram" xmlns:o="urn:schemas-microsoft-com:office:office" xmlns:v="urn:schemas-microsoft-com:vml" xmlns:pvml="urn:schemas-microsoft-com:office:powerpoint" xmlns:com="http://schemas.openxmlformats.org/drawingml/2006/compatibility" xmlns:p14="http://schemas.microsoft.com/office/powerpoint/2010/main" xmlns:p15="http://schemas.microsoft.com/office/powerpoint/2012/main" xmlns:ahyp="http://schemas.microsoft.com/office/drawing/2018/hyperlinkcolor" showMasterPhAnim="0" showMasterSp="0">
   <p:cSld>
     <p:spTree>
       <p:nvGrpSpPr>
-        <p:cNvPr id="62" name="Shape 62"/>
+        <p:cNvPr id="66" name="Shape 66"/>
         <p:cNvGrpSpPr/>
         <p:nvPr/>
       </p:nvGrpSpPr>
@@ -1320,7 +1310,7 @@
       </p:grpSpPr>
       <p:sp>
         <p:nvSpPr>
-          <p:cNvPr id="63" name="Google Shape;63;g310266e6598_0_0:notes"/>
+          <p:cNvPr id="67" name="Google Shape;67;g311884c9c86_0_10:notes"/>
           <p:cNvSpPr/>
           <p:nvPr>
             <p:ph idx="2" type="sldImg"/>
@@ -1355,7 +1345,7 @@
       </p:sp>
       <p:sp>
         <p:nvSpPr>
-          <p:cNvPr id="64" name="Google Shape;64;g310266e6598_0_0:notes"/>
+          <p:cNvPr id="68" name="Google Shape;68;g311884c9c86_0_10:notes"/>
           <p:cNvSpPr txBox="1"/>
           <p:nvPr>
             <p:ph idx="1" type="body"/>
@@ -1400,12 +1390,12 @@
 </p:notes>
 </file>
 
-<file path=ppt/notesSlides/notesSlide4.xml><?xml version="1.0" encoding="utf-8"?>
+<file path=ppt/notesSlides/notesSlide5.xml><?xml version="1.0" encoding="utf-8"?>
 <p:notes xmlns:a="http://schemas.openxmlformats.org/drawingml/2006/main" xmlns:r="http://schemas.openxmlformats.org/officeDocument/2006/relationships" xmlns:mc="http://schemas.openxmlformats.org/markup-compatibility/2006" xmlns:mv="urn:schemas-microsoft-com:mac:vml" xmlns:p="http://schemas.openxmlformats.org/presentationml/2006/main" xmlns:c="http://schemas.openxmlformats.org/drawingml/2006/chart" xmlns:dgm="http://schemas.openxmlformats.org/drawingml/2006/diagram" xmlns:o="urn:schemas-microsoft-com:office:office" xmlns:v="urn:schemas-microsoft-com:vml" xmlns:pvml="urn:schemas-microsoft-com:office:powerpoint" xmlns:com="http://schemas.openxmlformats.org/drawingml/2006/compatibility" xmlns:p14="http://schemas.microsoft.com/office/powerpoint/2010/main" xmlns:p15="http://schemas.microsoft.com/office/powerpoint/2012/main" xmlns:ahyp="http://schemas.microsoft.com/office/drawing/2018/hyperlinkcolor" showMasterPhAnim="0" showMasterSp="0">
   <p:cSld>
     <p:spTree>
       <p:nvGrpSpPr>
-        <p:cNvPr id="67" name="Shape 67"/>
+        <p:cNvPr id="71" name="Shape 71"/>
         <p:cNvGrpSpPr/>
         <p:nvPr/>
       </p:nvGrpSpPr>
@@ -1419,7 +1409,7 @@
       </p:grpSpPr>
       <p:sp>
         <p:nvSpPr>
-          <p:cNvPr id="68" name="Google Shape;68;g310266e6598_0_5:notes"/>
+          <p:cNvPr id="72" name="Google Shape;72;g311884c9c86_0_15:notes"/>
           <p:cNvSpPr/>
           <p:nvPr>
             <p:ph idx="2" type="sldImg"/>
@@ -1454,7 +1444,7 @@
       </p:sp>
       <p:sp>
         <p:nvSpPr>
-          <p:cNvPr id="69" name="Google Shape;69;g310266e6598_0_5:notes"/>
+          <p:cNvPr id="73" name="Google Shape;73;g311884c9c86_0_15:notes"/>
           <p:cNvSpPr txBox="1"/>
           <p:nvPr>
             <p:ph idx="1" type="body"/>
@@ -1499,12 +1489,12 @@
 </p:notes>
 </file>
 
-<file path=ppt/notesSlides/notesSlide5.xml><?xml version="1.0" encoding="utf-8"?>
+<file path=ppt/notesSlides/notesSlide6.xml><?xml version="1.0" encoding="utf-8"?>
 <p:notes xmlns:a="http://schemas.openxmlformats.org/drawingml/2006/main" xmlns:r="http://schemas.openxmlformats.org/officeDocument/2006/relationships" xmlns:mc="http://schemas.openxmlformats.org/markup-compatibility/2006" xmlns:mv="urn:schemas-microsoft-com:mac:vml" xmlns:p="http://schemas.openxmlformats.org/presentationml/2006/main" xmlns:c="http://schemas.openxmlformats.org/drawingml/2006/chart" xmlns:dgm="http://schemas.openxmlformats.org/drawingml/2006/diagram" xmlns:o="urn:schemas-microsoft-com:office:office" xmlns:v="urn:schemas-microsoft-com:vml" xmlns:pvml="urn:schemas-microsoft-com:office:powerpoint" xmlns:com="http://schemas.openxmlformats.org/drawingml/2006/compatibility" xmlns:p14="http://schemas.microsoft.com/office/powerpoint/2010/main" xmlns:p15="http://schemas.microsoft.com/office/powerpoint/2012/main" xmlns:ahyp="http://schemas.microsoft.com/office/drawing/2018/hyperlinkcolor" showMasterPhAnim="0" showMasterSp="0">
   <p:cSld>
     <p:spTree>
       <p:nvGrpSpPr>
-        <p:cNvPr id="72" name="Shape 72"/>
+        <p:cNvPr id="76" name="Shape 76"/>
         <p:cNvGrpSpPr/>
         <p:nvPr/>
       </p:nvGrpSpPr>
@@ -1518,7 +1508,7 @@
       </p:grpSpPr>
       <p:sp>
         <p:nvSpPr>
-          <p:cNvPr id="73" name="Google Shape;73;g310266e6598_0_10:notes"/>
+          <p:cNvPr id="77" name="Google Shape;77;g311884c9c86_0_20:notes"/>
           <p:cNvSpPr/>
           <p:nvPr>
             <p:ph idx="2" type="sldImg"/>
@@ -1553,7 +1543,7 @@
       </p:sp>
       <p:sp>
         <p:nvSpPr>
-          <p:cNvPr id="74" name="Google Shape;74;g310266e6598_0_10:notes"/>
+          <p:cNvPr id="78" name="Google Shape;78;g311884c9c86_0_20:notes"/>
           <p:cNvSpPr txBox="1"/>
           <p:nvPr>
             <p:ph idx="1" type="body"/>
@@ -1598,12 +1588,12 @@
 </p:notes>
 </file>
 
-<file path=ppt/notesSlides/notesSlide6.xml><?xml version="1.0" encoding="utf-8"?>
+<file path=ppt/notesSlides/notesSlide7.xml><?xml version="1.0" encoding="utf-8"?>
 <p:notes xmlns:a="http://schemas.openxmlformats.org/drawingml/2006/main" xmlns:r="http://schemas.openxmlformats.org/officeDocument/2006/relationships" xmlns:mc="http://schemas.openxmlformats.org/markup-compatibility/2006" xmlns:mv="urn:schemas-microsoft-com:mac:vml" xmlns:p="http://schemas.openxmlformats.org/presentationml/2006/main" xmlns:c="http://schemas.openxmlformats.org/drawingml/2006/chart" xmlns:dgm="http://schemas.openxmlformats.org/drawingml/2006/diagram" xmlns:o="urn:schemas-microsoft-com:office:office" xmlns:v="urn:schemas-microsoft-com:vml" xmlns:pvml="urn:schemas-microsoft-com:office:powerpoint" xmlns:com="http://schemas.openxmlformats.org/drawingml/2006/compatibility" xmlns:p14="http://schemas.microsoft.com/office/powerpoint/2010/main" xmlns:p15="http://schemas.microsoft.com/office/powerpoint/2012/main" xmlns:ahyp="http://schemas.microsoft.com/office/drawing/2018/hyperlinkcolor" showMasterPhAnim="0" showMasterSp="0">
   <p:cSld>
     <p:spTree>
       <p:nvGrpSpPr>
-        <p:cNvPr id="77" name="Shape 77"/>
+        <p:cNvPr id="81" name="Shape 81"/>
         <p:cNvGrpSpPr/>
         <p:nvPr/>
       </p:nvGrpSpPr>
@@ -1617,7 +1607,7 @@
       </p:grpSpPr>
       <p:sp>
         <p:nvSpPr>
-          <p:cNvPr id="78" name="Google Shape;78;g310266e6598_0_15:notes"/>
+          <p:cNvPr id="82" name="Google Shape;82;g311884c9c86_0_25:notes"/>
           <p:cNvSpPr/>
           <p:nvPr>
             <p:ph idx="2" type="sldImg"/>
@@ -1652,7 +1642,7 @@
       </p:sp>
       <p:sp>
         <p:nvSpPr>
-          <p:cNvPr id="79" name="Google Shape;79;g310266e6598_0_15:notes"/>
+          <p:cNvPr id="83" name="Google Shape;83;g311884c9c86_0_25:notes"/>
           <p:cNvSpPr txBox="1"/>
           <p:nvPr>
             <p:ph idx="1" type="body"/>
@@ -1697,12 +1687,12 @@
 </p:notes>
 </file>
 
-<file path=ppt/notesSlides/notesSlide7.xml><?xml version="1.0" encoding="utf-8"?>
+<file path=ppt/notesSlides/notesSlide8.xml><?xml version="1.0" encoding="utf-8"?>
 <p:notes xmlns:a="http://schemas.openxmlformats.org/drawingml/2006/main" xmlns:r="http://schemas.openxmlformats.org/officeDocument/2006/relationships" xmlns:mc="http://schemas.openxmlformats.org/markup-compatibility/2006" xmlns:mv="urn:schemas-microsoft-com:mac:vml" xmlns:p="http://schemas.openxmlformats.org/presentationml/2006/main" xmlns:c="http://schemas.openxmlformats.org/drawingml/2006/chart" xmlns:dgm="http://schemas.openxmlformats.org/drawingml/2006/diagram" xmlns:o="urn:schemas-microsoft-com:office:office" xmlns:v="urn:schemas-microsoft-com:vml" xmlns:pvml="urn:schemas-microsoft-com:office:powerpoint" xmlns:com="http://schemas.openxmlformats.org/drawingml/2006/compatibility" xmlns:p14="http://schemas.microsoft.com/office/powerpoint/2010/main" xmlns:p15="http://schemas.microsoft.com/office/powerpoint/2012/main" xmlns:ahyp="http://schemas.microsoft.com/office/drawing/2018/hyperlinkcolor" showMasterPhAnim="0" showMasterSp="0">
   <p:cSld>
     <p:spTree>
       <p:nvGrpSpPr>
-        <p:cNvPr id="82" name="Shape 82"/>
+        <p:cNvPr id="86" name="Shape 86"/>
         <p:cNvGrpSpPr/>
         <p:nvPr/>
       </p:nvGrpSpPr>
@@ -1716,7 +1706,7 @@
       </p:grpSpPr>
       <p:sp>
         <p:nvSpPr>
-          <p:cNvPr id="83" name="Google Shape;83;g310266e6598_0_20:notes"/>
+          <p:cNvPr id="87" name="Google Shape;87;g311884c9c86_0_30:notes"/>
           <p:cNvSpPr/>
           <p:nvPr>
             <p:ph idx="2" type="sldImg"/>
@@ -1751,7 +1741,7 @@
       </p:sp>
       <p:sp>
         <p:nvSpPr>
-          <p:cNvPr id="84" name="Google Shape;84;g310266e6598_0_20:notes"/>
+          <p:cNvPr id="88" name="Google Shape;88;g311884c9c86_0_30:notes"/>
           <p:cNvSpPr txBox="1"/>
           <p:nvPr>
             <p:ph idx="1" type="body"/>
@@ -1796,12 +1786,12 @@
 </p:notes>
 </file>
 
-<file path=ppt/notesSlides/notesSlide8.xml><?xml version="1.0" encoding="utf-8"?>
+<file path=ppt/notesSlides/notesSlide9.xml><?xml version="1.0" encoding="utf-8"?>
 <p:notes xmlns:a="http://schemas.openxmlformats.org/drawingml/2006/main" xmlns:r="http://schemas.openxmlformats.org/officeDocument/2006/relationships" xmlns:mc="http://schemas.openxmlformats.org/markup-compatibility/2006" xmlns:mv="urn:schemas-microsoft-com:mac:vml" xmlns:p="http://schemas.openxmlformats.org/presentationml/2006/main" xmlns:c="http://schemas.openxmlformats.org/drawingml/2006/chart" xmlns:dgm="http://schemas.openxmlformats.org/drawingml/2006/diagram" xmlns:o="urn:schemas-microsoft-com:office:office" xmlns:v="urn:schemas-microsoft-com:vml" xmlns:pvml="urn:schemas-microsoft-com:office:powerpoint" xmlns:com="http://schemas.openxmlformats.org/drawingml/2006/compatibility" xmlns:p14="http://schemas.microsoft.com/office/powerpoint/2010/main" xmlns:p15="http://schemas.microsoft.com/office/powerpoint/2012/main" xmlns:ahyp="http://schemas.microsoft.com/office/drawing/2018/hyperlinkcolor" showMasterPhAnim="0" showMasterSp="0">
   <p:cSld>
     <p:spTree>
       <p:nvGrpSpPr>
-        <p:cNvPr id="87" name="Shape 87"/>
+        <p:cNvPr id="91" name="Shape 91"/>
         <p:cNvGrpSpPr/>
         <p:nvPr/>
       </p:nvGrpSpPr>
@@ -1815,7 +1805,7 @@
       </p:grpSpPr>
       <p:sp>
         <p:nvSpPr>
-          <p:cNvPr id="88" name="Google Shape;88;g310266e6598_0_25:notes"/>
+          <p:cNvPr id="92" name="Google Shape;92;g311884c9c86_0_35:notes"/>
           <p:cNvSpPr/>
           <p:nvPr>
             <p:ph idx="2" type="sldImg"/>
@@ -1850,106 +1840,7 @@
       </p:sp>
       <p:sp>
         <p:nvSpPr>
-          <p:cNvPr id="89" name="Google Shape;89;g310266e6598_0_25:notes"/>
-          <p:cNvSpPr txBox="1"/>
-          <p:nvPr>
-            <p:ph idx="1" type="body"/>
-          </p:nvPr>
-        </p:nvSpPr>
-        <p:spPr>
-          <a:xfrm>
-            <a:off x="685800" y="4343400"/>
-            <a:ext cx="5486400" cy="4114800"/>
-          </a:xfrm>
-          <a:prstGeom prst="rect">
-            <a:avLst/>
-          </a:prstGeom>
-        </p:spPr>
-        <p:txBody>
-          <a:bodyPr anchorCtr="0" anchor="t" bIns="91425" lIns="91425" spcFirstLastPara="1" rIns="91425" wrap="square" tIns="91425">
-            <a:noAutofit/>
-          </a:bodyPr>
-          <a:lstStyle/>
-          <a:p>
-            <a:pPr indent="0" lvl="0" marL="0" rtl="0" algn="l">
-              <a:spcBef>
-                <a:spcPts val="0"/>
-              </a:spcBef>
-              <a:spcAft>
-                <a:spcPts val="0"/>
-              </a:spcAft>
-              <a:buNone/>
-            </a:pPr>
-            <a:r>
-              <a:t/>
-            </a:r>
-            <a:endParaRPr/>
-          </a:p>
-        </p:txBody>
-      </p:sp>
-    </p:spTree>
-  </p:cSld>
-  <p:clrMapOvr>
-    <a:masterClrMapping/>
-  </p:clrMapOvr>
-</p:notes>
-</file>
-
-<file path=ppt/notesSlides/notesSlide9.xml><?xml version="1.0" encoding="utf-8"?>
-<p:notes xmlns:a="http://schemas.openxmlformats.org/drawingml/2006/main" xmlns:r="http://schemas.openxmlformats.org/officeDocument/2006/relationships" xmlns:mc="http://schemas.openxmlformats.org/markup-compatibility/2006" xmlns:mv="urn:schemas-microsoft-com:mac:vml" xmlns:p="http://schemas.openxmlformats.org/presentationml/2006/main" xmlns:c="http://schemas.openxmlformats.org/drawingml/2006/chart" xmlns:dgm="http://schemas.openxmlformats.org/drawingml/2006/diagram" xmlns:o="urn:schemas-microsoft-com:office:office" xmlns:v="urn:schemas-microsoft-com:vml" xmlns:pvml="urn:schemas-microsoft-com:office:powerpoint" xmlns:com="http://schemas.openxmlformats.org/drawingml/2006/compatibility" xmlns:p14="http://schemas.microsoft.com/office/powerpoint/2010/main" xmlns:p15="http://schemas.microsoft.com/office/powerpoint/2012/main" xmlns:ahyp="http://schemas.microsoft.com/office/drawing/2018/hyperlinkcolor" showMasterPhAnim="0" showMasterSp="0">
-  <p:cSld>
-    <p:spTree>
-      <p:nvGrpSpPr>
-        <p:cNvPr id="92" name="Shape 92"/>
-        <p:cNvGrpSpPr/>
-        <p:nvPr/>
-      </p:nvGrpSpPr>
-      <p:grpSpPr>
-        <a:xfrm>
-          <a:off x="0" y="0"/>
-          <a:ext cx="0" cy="0"/>
-          <a:chOff x="0" y="0"/>
-          <a:chExt cx="0" cy="0"/>
-        </a:xfrm>
-      </p:grpSpPr>
-      <p:sp>
-        <p:nvSpPr>
-          <p:cNvPr id="93" name="Google Shape;93;g310266e6598_0_30:notes"/>
-          <p:cNvSpPr/>
-          <p:nvPr>
-            <p:ph idx="2" type="sldImg"/>
-          </p:nvPr>
-        </p:nvSpPr>
-        <p:spPr>
-          <a:xfrm>
-            <a:off x="381300" y="685800"/>
-            <a:ext cx="6096000" cy="3429000"/>
-          </a:xfrm>
-          <a:custGeom>
-            <a:rect b="b" l="l" r="r" t="t"/>
-            <a:pathLst>
-              <a:path extrusionOk="0" h="120000" w="120000">
-                <a:moveTo>
-                  <a:pt x="0" y="0"/>
-                </a:moveTo>
-                <a:lnTo>
-                  <a:pt x="120000" y="0"/>
-                </a:lnTo>
-                <a:lnTo>
-                  <a:pt x="120000" y="120000"/>
-                </a:lnTo>
-                <a:lnTo>
-                  <a:pt x="0" y="120000"/>
-                </a:lnTo>
-                <a:close/>
-              </a:path>
-            </a:pathLst>
-          </a:custGeom>
-        </p:spPr>
-      </p:sp>
-      <p:sp>
-        <p:nvSpPr>
-          <p:cNvPr id="94" name="Google Shape;94;g310266e6598_0_30:notes"/>
+          <p:cNvPr id="93" name="Google Shape;93;g311884c9c86_0_35:notes"/>
           <p:cNvSpPr txBox="1"/>
           <p:nvPr>
             <p:ph idx="1" type="body"/>
@@ -6694,7 +6585,7 @@
             </a:pPr>
             <a:r>
               <a:rPr lang="ru"/>
-              <a:t>МУЗЫКА</a:t>
+              <a:t>FC Barcelona</a:t>
             </a:r>
             <a:endParaRPr/>
           </a:p>
@@ -6719,7 +6610,7 @@
         </p:spPr>
         <p:txBody>
           <a:bodyPr anchorCtr="0" anchor="t" bIns="91425" lIns="91425" spcFirstLastPara="1" rIns="91425" wrap="square" tIns="91425">
-            <a:normAutofit fontScale="85000" lnSpcReduction="20000"/>
+            <a:normAutofit/>
           </a:bodyPr>
           <a:lstStyle/>
           <a:p>
@@ -6734,59 +6625,9 @@
             </a:pPr>
             <a:r>
               <a:rPr lang="ru"/>
-              <a:t>ОПРОС НЕСКОЛЬКИХ ЛЮДЕЙ НА ИХ ОТНОШЕНИЯ К МУЗЫКЕ</a:t>
+              <a:t>узнай на сколько ты знаешь свой любимый клуб</a:t>
             </a:r>
             <a:endParaRPr/>
-          </a:p>
-        </p:txBody>
-      </p:sp>
-      <p:sp>
-        <p:nvSpPr>
-          <p:cNvPr id="56" name="Google Shape;56;p13"/>
-          <p:cNvSpPr txBox="1"/>
-          <p:nvPr/>
-        </p:nvSpPr>
-        <p:spPr>
-          <a:xfrm>
-            <a:off x="1129250" y="4065250"/>
-            <a:ext cx="4196400" cy="461700"/>
-          </a:xfrm>
-          <a:prstGeom prst="rect">
-            <a:avLst/>
-          </a:prstGeom>
-          <a:noFill/>
-          <a:ln>
-            <a:noFill/>
-          </a:ln>
-        </p:spPr>
-        <p:txBody>
-          <a:bodyPr anchorCtr="0" anchor="t" bIns="91425" lIns="91425" spcFirstLastPara="1" rIns="91425" wrap="square" tIns="91425">
-            <a:spAutoFit/>
-          </a:bodyPr>
-          <a:lstStyle/>
-          <a:p>
-            <a:pPr indent="0" lvl="0" marL="0" rtl="0" algn="l">
-              <a:spcBef>
-                <a:spcPts val="0"/>
-              </a:spcBef>
-              <a:spcAft>
-                <a:spcPts val="0"/>
-              </a:spcAft>
-              <a:buNone/>
-            </a:pPr>
-            <a:r>
-              <a:rPr lang="ru" sz="1800">
-                <a:solidFill>
-                  <a:schemeClr val="dk2"/>
-                </a:solidFill>
-              </a:rPr>
-              <a:t>by:Нурсейит Халилов</a:t>
-            </a:r>
-            <a:endParaRPr sz="1800">
-              <a:solidFill>
-                <a:schemeClr val="dk2"/>
-              </a:solidFill>
-            </a:endParaRPr>
           </a:p>
         </p:txBody>
       </p:sp>
@@ -6803,1376 +6644,7 @@
   <p:cSld>
     <p:spTree>
       <p:nvGrpSpPr>
-        <p:cNvPr id="100" name="Shape 100"/>
-        <p:cNvGrpSpPr/>
-        <p:nvPr/>
-      </p:nvGrpSpPr>
-      <p:grpSpPr>
-        <a:xfrm>
-          <a:off x="0" y="0"/>
-          <a:ext cx="0" cy="0"/>
-          <a:chOff x="0" y="0"/>
-          <a:chExt cx="0" cy="0"/>
-        </a:xfrm>
-      </p:grpSpPr>
-      <p:sp>
-        <p:nvSpPr>
-          <p:cNvPr id="101" name="Google Shape;101;p22"/>
-          <p:cNvSpPr txBox="1"/>
-          <p:nvPr/>
-        </p:nvSpPr>
-        <p:spPr>
-          <a:xfrm>
-            <a:off x="0" y="0"/>
-            <a:ext cx="3000000" cy="3764700"/>
-          </a:xfrm>
-          <a:prstGeom prst="rect">
-            <a:avLst/>
-          </a:prstGeom>
-          <a:noFill/>
-          <a:ln>
-            <a:noFill/>
-          </a:ln>
-        </p:spPr>
-        <p:txBody>
-          <a:bodyPr anchorCtr="0" anchor="t" bIns="91425" lIns="91425" spcFirstLastPara="1" rIns="91425" wrap="square" tIns="91425">
-            <a:spAutoFit/>
-          </a:bodyPr>
-          <a:lstStyle/>
-          <a:p>
-            <a:pPr indent="0" lvl="0" marL="0" marR="76200" rtl="0" algn="l">
-              <a:lnSpc>
-                <a:spcPct val="135000"/>
-              </a:lnSpc>
-              <a:spcBef>
-                <a:spcPts val="600"/>
-              </a:spcBef>
-              <a:spcAft>
-                <a:spcPts val="0"/>
-              </a:spcAft>
-              <a:buNone/>
-            </a:pPr>
-            <a:r>
-              <a:rPr lang="ru" sz="1200">
-                <a:solidFill>
-                  <a:srgbClr val="202124"/>
-                </a:solidFill>
-                <a:latin typeface="Roboto"/>
-                <a:ea typeface="Roboto"/>
-                <a:cs typeface="Roboto"/>
-                <a:sym typeface="Roboto"/>
-              </a:rPr>
-              <a:t>Когда была выпущена ваша любимая песня </a:t>
-            </a:r>
-            <a:r>
-              <a:rPr lang="ru" sz="900">
-                <a:solidFill>
-                  <a:srgbClr val="202124"/>
-                </a:solidFill>
-                <a:latin typeface="Roboto"/>
-                <a:ea typeface="Roboto"/>
-                <a:cs typeface="Roboto"/>
-                <a:sym typeface="Roboto"/>
-              </a:rPr>
-              <a:t>7 ответов</a:t>
-            </a:r>
-            <a:endParaRPr sz="900">
-              <a:solidFill>
-                <a:srgbClr val="202124"/>
-              </a:solidFill>
-              <a:latin typeface="Roboto"/>
-              <a:ea typeface="Roboto"/>
-              <a:cs typeface="Roboto"/>
-              <a:sym typeface="Roboto"/>
-            </a:endParaRPr>
-          </a:p>
-          <a:p>
-            <a:pPr indent="0" lvl="0" marL="152400" marR="152400" rtl="0" algn="r">
-              <a:lnSpc>
-                <a:spcPct val="115000"/>
-              </a:lnSpc>
-              <a:spcBef>
-                <a:spcPts val="1800"/>
-              </a:spcBef>
-              <a:spcAft>
-                <a:spcPts val="0"/>
-              </a:spcAft>
-              <a:buNone/>
-            </a:pPr>
-            <a:r>
-              <a:rPr lang="ru" sz="1050">
-                <a:solidFill>
-                  <a:schemeClr val="dk1"/>
-                </a:solidFill>
-                <a:latin typeface="Roboto"/>
-                <a:ea typeface="Roboto"/>
-                <a:cs typeface="Roboto"/>
-                <a:sym typeface="Roboto"/>
-              </a:rPr>
-              <a:t>февр. 2004 г.</a:t>
-            </a:r>
-            <a:endParaRPr sz="1050">
-              <a:solidFill>
-                <a:schemeClr val="dk1"/>
-              </a:solidFill>
-              <a:latin typeface="Roboto"/>
-              <a:ea typeface="Roboto"/>
-              <a:cs typeface="Roboto"/>
-              <a:sym typeface="Roboto"/>
-            </a:endParaRPr>
-          </a:p>
-          <a:p>
-            <a:pPr indent="0" lvl="0" marL="279400" marR="127000" rtl="0" algn="l">
-              <a:lnSpc>
-                <a:spcPct val="115000"/>
-              </a:lnSpc>
-              <a:spcBef>
-                <a:spcPts val="200"/>
-              </a:spcBef>
-              <a:spcAft>
-                <a:spcPts val="0"/>
-              </a:spcAft>
-              <a:buNone/>
-            </a:pPr>
-            <a:r>
-              <a:rPr lang="ru" sz="1000">
-                <a:solidFill>
-                  <a:schemeClr val="dk1"/>
-                </a:solidFill>
-                <a:highlight>
-                  <a:srgbClr val="F0EBF8"/>
-                </a:highlight>
-                <a:latin typeface="Roboto"/>
-                <a:ea typeface="Roboto"/>
-                <a:cs typeface="Roboto"/>
-                <a:sym typeface="Roboto"/>
-              </a:rPr>
-              <a:t>14</a:t>
-            </a:r>
-            <a:endParaRPr sz="1000">
-              <a:solidFill>
-                <a:schemeClr val="dk1"/>
-              </a:solidFill>
-              <a:highlight>
-                <a:srgbClr val="F0EBF8"/>
-              </a:highlight>
-              <a:latin typeface="Roboto"/>
-              <a:ea typeface="Roboto"/>
-              <a:cs typeface="Roboto"/>
-              <a:sym typeface="Roboto"/>
-            </a:endParaRPr>
-          </a:p>
-          <a:p>
-            <a:pPr indent="0" lvl="0" marL="152400" marR="152400" rtl="0" algn="r">
-              <a:lnSpc>
-                <a:spcPct val="115000"/>
-              </a:lnSpc>
-              <a:spcBef>
-                <a:spcPts val="200"/>
-              </a:spcBef>
-              <a:spcAft>
-                <a:spcPts val="0"/>
-              </a:spcAft>
-              <a:buNone/>
-            </a:pPr>
-            <a:r>
-              <a:rPr lang="ru" sz="1050">
-                <a:solidFill>
-                  <a:schemeClr val="dk1"/>
-                </a:solidFill>
-                <a:latin typeface="Roboto"/>
-                <a:ea typeface="Roboto"/>
-                <a:cs typeface="Roboto"/>
-                <a:sym typeface="Roboto"/>
-              </a:rPr>
-              <a:t>окт. 2005 г.</a:t>
-            </a:r>
-            <a:endParaRPr sz="1050">
-              <a:solidFill>
-                <a:schemeClr val="dk1"/>
-              </a:solidFill>
-              <a:latin typeface="Roboto"/>
-              <a:ea typeface="Roboto"/>
-              <a:cs typeface="Roboto"/>
-              <a:sym typeface="Roboto"/>
-            </a:endParaRPr>
-          </a:p>
-          <a:p>
-            <a:pPr indent="0" lvl="0" marL="279400" marR="127000" rtl="0" algn="l">
-              <a:lnSpc>
-                <a:spcPct val="115000"/>
-              </a:lnSpc>
-              <a:spcBef>
-                <a:spcPts val="200"/>
-              </a:spcBef>
-              <a:spcAft>
-                <a:spcPts val="0"/>
-              </a:spcAft>
-              <a:buNone/>
-            </a:pPr>
-            <a:r>
-              <a:rPr lang="ru" sz="1000">
-                <a:solidFill>
-                  <a:schemeClr val="dk1"/>
-                </a:solidFill>
-                <a:highlight>
-                  <a:srgbClr val="F0EBF8"/>
-                </a:highlight>
-                <a:latin typeface="Roboto"/>
-                <a:ea typeface="Roboto"/>
-                <a:cs typeface="Roboto"/>
-                <a:sym typeface="Roboto"/>
-              </a:rPr>
-              <a:t>30</a:t>
-            </a:r>
-            <a:endParaRPr sz="1000">
-              <a:solidFill>
-                <a:schemeClr val="dk1"/>
-              </a:solidFill>
-              <a:highlight>
-                <a:srgbClr val="F0EBF8"/>
-              </a:highlight>
-              <a:latin typeface="Roboto"/>
-              <a:ea typeface="Roboto"/>
-              <a:cs typeface="Roboto"/>
-              <a:sym typeface="Roboto"/>
-            </a:endParaRPr>
-          </a:p>
-          <a:p>
-            <a:pPr indent="0" lvl="0" marL="152400" marR="152400" rtl="0" algn="r">
-              <a:lnSpc>
-                <a:spcPct val="115000"/>
-              </a:lnSpc>
-              <a:spcBef>
-                <a:spcPts val="200"/>
-              </a:spcBef>
-              <a:spcAft>
-                <a:spcPts val="0"/>
-              </a:spcAft>
-              <a:buNone/>
-            </a:pPr>
-            <a:r>
-              <a:rPr lang="ru" sz="1050">
-                <a:solidFill>
-                  <a:schemeClr val="dk1"/>
-                </a:solidFill>
-                <a:latin typeface="Roboto"/>
-                <a:ea typeface="Roboto"/>
-                <a:cs typeface="Roboto"/>
-                <a:sym typeface="Roboto"/>
-              </a:rPr>
-              <a:t>февр. 2008 г.</a:t>
-            </a:r>
-            <a:endParaRPr sz="1050">
-              <a:solidFill>
-                <a:schemeClr val="dk1"/>
-              </a:solidFill>
-              <a:latin typeface="Roboto"/>
-              <a:ea typeface="Roboto"/>
-              <a:cs typeface="Roboto"/>
-              <a:sym typeface="Roboto"/>
-            </a:endParaRPr>
-          </a:p>
-          <a:p>
-            <a:pPr indent="0" lvl="0" marL="279400" marR="127000" rtl="0" algn="l">
-              <a:lnSpc>
-                <a:spcPct val="115000"/>
-              </a:lnSpc>
-              <a:spcBef>
-                <a:spcPts val="200"/>
-              </a:spcBef>
-              <a:spcAft>
-                <a:spcPts val="0"/>
-              </a:spcAft>
-              <a:buNone/>
-            </a:pPr>
-            <a:r>
-              <a:rPr lang="ru" sz="1000">
-                <a:solidFill>
-                  <a:schemeClr val="dk1"/>
-                </a:solidFill>
-                <a:highlight>
-                  <a:srgbClr val="F0EBF8"/>
-                </a:highlight>
-                <a:latin typeface="Roboto"/>
-                <a:ea typeface="Roboto"/>
-                <a:cs typeface="Roboto"/>
-                <a:sym typeface="Roboto"/>
-              </a:rPr>
-              <a:t>10</a:t>
-            </a:r>
-            <a:endParaRPr sz="1000">
-              <a:solidFill>
-                <a:schemeClr val="dk1"/>
-              </a:solidFill>
-              <a:highlight>
-                <a:srgbClr val="F0EBF8"/>
-              </a:highlight>
-              <a:latin typeface="Roboto"/>
-              <a:ea typeface="Roboto"/>
-              <a:cs typeface="Roboto"/>
-              <a:sym typeface="Roboto"/>
-            </a:endParaRPr>
-          </a:p>
-          <a:p>
-            <a:pPr indent="0" lvl="0" marL="152400" marR="152400" rtl="0" algn="r">
-              <a:lnSpc>
-                <a:spcPct val="115000"/>
-              </a:lnSpc>
-              <a:spcBef>
-                <a:spcPts val="200"/>
-              </a:spcBef>
-              <a:spcAft>
-                <a:spcPts val="0"/>
-              </a:spcAft>
-              <a:buNone/>
-            </a:pPr>
-            <a:r>
-              <a:rPr lang="ru" sz="1050">
-                <a:solidFill>
-                  <a:schemeClr val="dk1"/>
-                </a:solidFill>
-                <a:latin typeface="Roboto"/>
-                <a:ea typeface="Roboto"/>
-                <a:cs typeface="Roboto"/>
-                <a:sym typeface="Roboto"/>
-              </a:rPr>
-              <a:t>авг. 2012 г.</a:t>
-            </a:r>
-            <a:endParaRPr sz="1050">
-              <a:solidFill>
-                <a:schemeClr val="dk1"/>
-              </a:solidFill>
-              <a:latin typeface="Roboto"/>
-              <a:ea typeface="Roboto"/>
-              <a:cs typeface="Roboto"/>
-              <a:sym typeface="Roboto"/>
-            </a:endParaRPr>
-          </a:p>
-          <a:p>
-            <a:pPr indent="0" lvl="0" marL="279400" marR="127000" rtl="0" algn="l">
-              <a:lnSpc>
-                <a:spcPct val="115000"/>
-              </a:lnSpc>
-              <a:spcBef>
-                <a:spcPts val="200"/>
-              </a:spcBef>
-              <a:spcAft>
-                <a:spcPts val="0"/>
-              </a:spcAft>
-              <a:buNone/>
-            </a:pPr>
-            <a:r>
-              <a:rPr lang="ru" sz="1000">
-                <a:solidFill>
-                  <a:schemeClr val="dk1"/>
-                </a:solidFill>
-                <a:highlight>
-                  <a:srgbClr val="F0EBF8"/>
-                </a:highlight>
-                <a:latin typeface="Roboto"/>
-                <a:ea typeface="Roboto"/>
-                <a:cs typeface="Roboto"/>
-                <a:sym typeface="Roboto"/>
-              </a:rPr>
-              <a:t>28</a:t>
-            </a:r>
-            <a:endParaRPr sz="1000">
-              <a:solidFill>
-                <a:schemeClr val="dk1"/>
-              </a:solidFill>
-              <a:highlight>
-                <a:srgbClr val="F0EBF8"/>
-              </a:highlight>
-              <a:latin typeface="Roboto"/>
-              <a:ea typeface="Roboto"/>
-              <a:cs typeface="Roboto"/>
-              <a:sym typeface="Roboto"/>
-            </a:endParaRPr>
-          </a:p>
-          <a:p>
-            <a:pPr indent="0" lvl="0" marL="152400" marR="152400" rtl="0" algn="r">
-              <a:lnSpc>
-                <a:spcPct val="115000"/>
-              </a:lnSpc>
-              <a:spcBef>
-                <a:spcPts val="200"/>
-              </a:spcBef>
-              <a:spcAft>
-                <a:spcPts val="0"/>
-              </a:spcAft>
-              <a:buNone/>
-            </a:pPr>
-            <a:r>
-              <a:rPr lang="ru" sz="1050">
-                <a:solidFill>
-                  <a:schemeClr val="dk1"/>
-                </a:solidFill>
-                <a:latin typeface="Roboto"/>
-                <a:ea typeface="Roboto"/>
-                <a:cs typeface="Roboto"/>
-                <a:sym typeface="Roboto"/>
-              </a:rPr>
-              <a:t>окт. 2023 г.</a:t>
-            </a:r>
-            <a:endParaRPr sz="1050">
-              <a:solidFill>
-                <a:schemeClr val="dk1"/>
-              </a:solidFill>
-              <a:latin typeface="Roboto"/>
-              <a:ea typeface="Roboto"/>
-              <a:cs typeface="Roboto"/>
-              <a:sym typeface="Roboto"/>
-            </a:endParaRPr>
-          </a:p>
-          <a:p>
-            <a:pPr indent="0" lvl="0" marL="279400" marR="127000" rtl="0" algn="l">
-              <a:lnSpc>
-                <a:spcPct val="115000"/>
-              </a:lnSpc>
-              <a:spcBef>
-                <a:spcPts val="200"/>
-              </a:spcBef>
-              <a:spcAft>
-                <a:spcPts val="0"/>
-              </a:spcAft>
-              <a:buNone/>
-            </a:pPr>
-            <a:r>
-              <a:rPr lang="ru" sz="1000">
-                <a:solidFill>
-                  <a:schemeClr val="dk1"/>
-                </a:solidFill>
-                <a:highlight>
-                  <a:srgbClr val="F0EBF8"/>
-                </a:highlight>
-                <a:latin typeface="Roboto"/>
-                <a:ea typeface="Roboto"/>
-                <a:cs typeface="Roboto"/>
-                <a:sym typeface="Roboto"/>
-              </a:rPr>
-              <a:t>13</a:t>
-            </a:r>
-            <a:endParaRPr sz="1000">
-              <a:solidFill>
-                <a:schemeClr val="dk1"/>
-              </a:solidFill>
-              <a:highlight>
-                <a:srgbClr val="F0EBF8"/>
-              </a:highlight>
-              <a:latin typeface="Roboto"/>
-              <a:ea typeface="Roboto"/>
-              <a:cs typeface="Roboto"/>
-              <a:sym typeface="Roboto"/>
-            </a:endParaRPr>
-          </a:p>
-          <a:p>
-            <a:pPr indent="0" lvl="0" marL="152400" marR="152400" rtl="0" algn="r">
-              <a:lnSpc>
-                <a:spcPct val="115000"/>
-              </a:lnSpc>
-              <a:spcBef>
-                <a:spcPts val="200"/>
-              </a:spcBef>
-              <a:spcAft>
-                <a:spcPts val="0"/>
-              </a:spcAft>
-              <a:buNone/>
-            </a:pPr>
-            <a:r>
-              <a:rPr lang="ru" sz="1050">
-                <a:solidFill>
-                  <a:schemeClr val="dk1"/>
-                </a:solidFill>
-                <a:latin typeface="Roboto"/>
-                <a:ea typeface="Roboto"/>
-                <a:cs typeface="Roboto"/>
-                <a:sym typeface="Roboto"/>
-              </a:rPr>
-              <a:t>дек. 2023 г.</a:t>
-            </a:r>
-            <a:endParaRPr sz="1050">
-              <a:solidFill>
-                <a:schemeClr val="dk1"/>
-              </a:solidFill>
-              <a:latin typeface="Roboto"/>
-              <a:ea typeface="Roboto"/>
-              <a:cs typeface="Roboto"/>
-              <a:sym typeface="Roboto"/>
-            </a:endParaRPr>
-          </a:p>
-          <a:p>
-            <a:pPr indent="0" lvl="0" marL="279400" marR="127000" rtl="0" algn="l">
-              <a:lnSpc>
-                <a:spcPct val="115000"/>
-              </a:lnSpc>
-              <a:spcBef>
-                <a:spcPts val="200"/>
-              </a:spcBef>
-              <a:spcAft>
-                <a:spcPts val="0"/>
-              </a:spcAft>
-              <a:buNone/>
-            </a:pPr>
-            <a:r>
-              <a:rPr lang="ru" sz="1000">
-                <a:solidFill>
-                  <a:schemeClr val="dk1"/>
-                </a:solidFill>
-                <a:highlight>
-                  <a:srgbClr val="F0EBF8"/>
-                </a:highlight>
-                <a:latin typeface="Roboto"/>
-                <a:ea typeface="Roboto"/>
-                <a:cs typeface="Roboto"/>
-                <a:sym typeface="Roboto"/>
-              </a:rPr>
-              <a:t>31</a:t>
-            </a:r>
-            <a:endParaRPr sz="1000">
-              <a:solidFill>
-                <a:schemeClr val="dk1"/>
-              </a:solidFill>
-              <a:highlight>
-                <a:srgbClr val="F0EBF8"/>
-              </a:highlight>
-              <a:latin typeface="Roboto"/>
-              <a:ea typeface="Roboto"/>
-              <a:cs typeface="Roboto"/>
-              <a:sym typeface="Roboto"/>
-            </a:endParaRPr>
-          </a:p>
-          <a:p>
-            <a:pPr indent="0" lvl="0" marL="152400" marR="152400" rtl="0" algn="r">
-              <a:lnSpc>
-                <a:spcPct val="115000"/>
-              </a:lnSpc>
-              <a:spcBef>
-                <a:spcPts val="200"/>
-              </a:spcBef>
-              <a:spcAft>
-                <a:spcPts val="0"/>
-              </a:spcAft>
-              <a:buNone/>
-            </a:pPr>
-            <a:r>
-              <a:rPr lang="ru" sz="1050">
-                <a:solidFill>
-                  <a:schemeClr val="dk1"/>
-                </a:solidFill>
-                <a:latin typeface="Roboto"/>
-                <a:ea typeface="Roboto"/>
-                <a:cs typeface="Roboto"/>
-                <a:sym typeface="Roboto"/>
-              </a:rPr>
-              <a:t>янв. 2025 г.</a:t>
-            </a:r>
-            <a:endParaRPr sz="1050">
-              <a:solidFill>
-                <a:schemeClr val="dk1"/>
-              </a:solidFill>
-              <a:latin typeface="Roboto"/>
-              <a:ea typeface="Roboto"/>
-              <a:cs typeface="Roboto"/>
-              <a:sym typeface="Roboto"/>
-            </a:endParaRPr>
-          </a:p>
-          <a:p>
-            <a:pPr indent="0" lvl="0" marL="279400" marR="127000" rtl="0" algn="l">
-              <a:lnSpc>
-                <a:spcPct val="115000"/>
-              </a:lnSpc>
-              <a:spcBef>
-                <a:spcPts val="200"/>
-              </a:spcBef>
-              <a:spcAft>
-                <a:spcPts val="200"/>
-              </a:spcAft>
-              <a:buNone/>
-            </a:pPr>
-            <a:r>
-              <a:rPr lang="ru" sz="1000">
-                <a:solidFill>
-                  <a:schemeClr val="dk1"/>
-                </a:solidFill>
-                <a:highlight>
-                  <a:srgbClr val="F0EBF8"/>
-                </a:highlight>
-                <a:latin typeface="Roboto"/>
-                <a:ea typeface="Roboto"/>
-                <a:cs typeface="Roboto"/>
-                <a:sym typeface="Roboto"/>
-              </a:rPr>
-              <a:t>2</a:t>
-            </a:r>
-            <a:endParaRPr sz="1000">
-              <a:solidFill>
-                <a:schemeClr val="dk1"/>
-              </a:solidFill>
-              <a:highlight>
-                <a:srgbClr val="F0EBF8"/>
-              </a:highlight>
-              <a:latin typeface="Roboto"/>
-              <a:ea typeface="Roboto"/>
-              <a:cs typeface="Roboto"/>
-              <a:sym typeface="Roboto"/>
-            </a:endParaRPr>
-          </a:p>
-        </p:txBody>
-      </p:sp>
-    </p:spTree>
-  </p:cSld>
-  <p:clrMapOvr>
-    <a:masterClrMapping/>
-  </p:clrMapOvr>
-</p:sld>
-</file>
-
-<file path=ppt/slides/slide11.xml><?xml version="1.0" encoding="utf-8"?>
-<p:sld xmlns:a="http://schemas.openxmlformats.org/drawingml/2006/main" xmlns:r="http://schemas.openxmlformats.org/officeDocument/2006/relationships" xmlns:mc="http://schemas.openxmlformats.org/markup-compatibility/2006" xmlns:mv="urn:schemas-microsoft-com:mac:vml" xmlns:p="http://schemas.openxmlformats.org/presentationml/2006/main" xmlns:c="http://schemas.openxmlformats.org/drawingml/2006/chart" xmlns:dgm="http://schemas.openxmlformats.org/drawingml/2006/diagram" xmlns:o="urn:schemas-microsoft-com:office:office" xmlns:v="urn:schemas-microsoft-com:vml" xmlns:pvml="urn:schemas-microsoft-com:office:powerpoint" xmlns:com="http://schemas.openxmlformats.org/drawingml/2006/compatibility" xmlns:p14="http://schemas.microsoft.com/office/powerpoint/2010/main" xmlns:p15="http://schemas.microsoft.com/office/powerpoint/2012/main" xmlns:ahyp="http://schemas.microsoft.com/office/drawing/2018/hyperlinkcolor">
-  <p:cSld>
-    <p:spTree>
-      <p:nvGrpSpPr>
-        <p:cNvPr id="105" name="Shape 105"/>
-        <p:cNvGrpSpPr/>
-        <p:nvPr/>
-      </p:nvGrpSpPr>
-      <p:grpSpPr>
-        <a:xfrm>
-          <a:off x="0" y="0"/>
-          <a:ext cx="0" cy="0"/>
-          <a:chOff x="0" y="0"/>
-          <a:chExt cx="0" cy="0"/>
-        </a:xfrm>
-      </p:grpSpPr>
-      <p:sp>
-        <p:nvSpPr>
-          <p:cNvPr id="106" name="Google Shape;106;p23"/>
-          <p:cNvSpPr txBox="1"/>
-          <p:nvPr/>
-        </p:nvSpPr>
-        <p:spPr>
-          <a:xfrm>
-            <a:off x="0" y="0"/>
-            <a:ext cx="3000000" cy="4710000"/>
-          </a:xfrm>
-          <a:prstGeom prst="rect">
-            <a:avLst/>
-          </a:prstGeom>
-          <a:noFill/>
-          <a:ln>
-            <a:noFill/>
-          </a:ln>
-        </p:spPr>
-        <p:txBody>
-          <a:bodyPr anchorCtr="0" anchor="t" bIns="91425" lIns="91425" spcFirstLastPara="1" rIns="91425" wrap="square" tIns="91425">
-            <a:spAutoFit/>
-          </a:bodyPr>
-          <a:lstStyle/>
-          <a:p>
-            <a:pPr indent="0" lvl="0" marL="0" marR="76200" rtl="0" algn="l">
-              <a:lnSpc>
-                <a:spcPct val="135000"/>
-              </a:lnSpc>
-              <a:spcBef>
-                <a:spcPts val="600"/>
-              </a:spcBef>
-              <a:spcAft>
-                <a:spcPts val="0"/>
-              </a:spcAft>
-              <a:buNone/>
-            </a:pPr>
-            <a:r>
-              <a:rPr lang="ru" sz="1200">
-                <a:solidFill>
-                  <a:srgbClr val="202124"/>
-                </a:solidFill>
-                <a:latin typeface="Roboto"/>
-                <a:ea typeface="Roboto"/>
-                <a:cs typeface="Roboto"/>
-                <a:sym typeface="Roboto"/>
-              </a:rPr>
-              <a:t>Сколько часов в день у вас уходит на прослушивание музыки </a:t>
-            </a:r>
-            <a:r>
-              <a:rPr lang="ru" sz="900">
-                <a:solidFill>
-                  <a:srgbClr val="202124"/>
-                </a:solidFill>
-                <a:latin typeface="Roboto"/>
-                <a:ea typeface="Roboto"/>
-                <a:cs typeface="Roboto"/>
-                <a:sym typeface="Roboto"/>
-              </a:rPr>
-              <a:t>9 ответов</a:t>
-            </a:r>
-            <a:endParaRPr sz="900">
-              <a:solidFill>
-                <a:srgbClr val="202124"/>
-              </a:solidFill>
-              <a:latin typeface="Roboto"/>
-              <a:ea typeface="Roboto"/>
-              <a:cs typeface="Roboto"/>
-              <a:sym typeface="Roboto"/>
-            </a:endParaRPr>
-          </a:p>
-          <a:p>
-            <a:pPr indent="0" lvl="0" marL="152400" marR="152400" rtl="0" algn="r">
-              <a:lnSpc>
-                <a:spcPct val="115000"/>
-              </a:lnSpc>
-              <a:spcBef>
-                <a:spcPts val="1800"/>
-              </a:spcBef>
-              <a:spcAft>
-                <a:spcPts val="0"/>
-              </a:spcAft>
-              <a:buNone/>
-            </a:pPr>
-            <a:r>
-              <a:t/>
-            </a:r>
-            <a:endParaRPr sz="1050">
-              <a:solidFill>
-                <a:schemeClr val="dk1"/>
-              </a:solidFill>
-              <a:latin typeface="Roboto"/>
-              <a:ea typeface="Roboto"/>
-              <a:cs typeface="Roboto"/>
-              <a:sym typeface="Roboto"/>
-            </a:endParaRPr>
-          </a:p>
-          <a:p>
-            <a:pPr indent="0" lvl="0" marL="152400" marR="152400" rtl="0" algn="r">
-              <a:lnSpc>
-                <a:spcPct val="115000"/>
-              </a:lnSpc>
-              <a:spcBef>
-                <a:spcPts val="0"/>
-              </a:spcBef>
-              <a:spcAft>
-                <a:spcPts val="0"/>
-              </a:spcAft>
-              <a:buNone/>
-            </a:pPr>
-            <a:r>
-              <a:t/>
-            </a:r>
-            <a:endParaRPr sz="1050">
-              <a:solidFill>
-                <a:schemeClr val="dk1"/>
-              </a:solidFill>
-              <a:latin typeface="Roboto"/>
-              <a:ea typeface="Roboto"/>
-              <a:cs typeface="Roboto"/>
-              <a:sym typeface="Roboto"/>
-            </a:endParaRPr>
-          </a:p>
-          <a:p>
-            <a:pPr indent="0" lvl="0" marL="279400" marR="127000" rtl="0" algn="l">
-              <a:lnSpc>
-                <a:spcPct val="115000"/>
-              </a:lnSpc>
-              <a:spcBef>
-                <a:spcPts val="200"/>
-              </a:spcBef>
-              <a:spcAft>
-                <a:spcPts val="0"/>
-              </a:spcAft>
-              <a:buNone/>
-            </a:pPr>
-            <a:r>
-              <a:rPr lang="ru" sz="1000">
-                <a:solidFill>
-                  <a:schemeClr val="dk1"/>
-                </a:solidFill>
-                <a:highlight>
-                  <a:srgbClr val="F0EBF8"/>
-                </a:highlight>
-                <a:latin typeface="Roboto"/>
-                <a:ea typeface="Roboto"/>
-                <a:cs typeface="Roboto"/>
-                <a:sym typeface="Roboto"/>
-              </a:rPr>
-              <a:t>00:24:12</a:t>
-            </a:r>
-            <a:endParaRPr sz="1000">
-              <a:solidFill>
-                <a:schemeClr val="dk1"/>
-              </a:solidFill>
-              <a:highlight>
-                <a:srgbClr val="F0EBF8"/>
-              </a:highlight>
-              <a:latin typeface="Roboto"/>
-              <a:ea typeface="Roboto"/>
-              <a:cs typeface="Roboto"/>
-              <a:sym typeface="Roboto"/>
-            </a:endParaRPr>
-          </a:p>
-          <a:p>
-            <a:pPr indent="0" lvl="0" marL="279400" marR="127000" rtl="0" algn="l">
-              <a:lnSpc>
-                <a:spcPct val="115000"/>
-              </a:lnSpc>
-              <a:spcBef>
-                <a:spcPts val="200"/>
-              </a:spcBef>
-              <a:spcAft>
-                <a:spcPts val="0"/>
-              </a:spcAft>
-              <a:buNone/>
-            </a:pPr>
-            <a:r>
-              <a:t/>
-            </a:r>
-            <a:endParaRPr sz="1000">
-              <a:solidFill>
-                <a:schemeClr val="dk1"/>
-              </a:solidFill>
-              <a:highlight>
-                <a:srgbClr val="F0EBF8"/>
-              </a:highlight>
-              <a:latin typeface="Roboto"/>
-              <a:ea typeface="Roboto"/>
-              <a:cs typeface="Roboto"/>
-              <a:sym typeface="Roboto"/>
-            </a:endParaRPr>
-          </a:p>
-          <a:p>
-            <a:pPr indent="0" lvl="0" marL="279400" marR="127000" rtl="0" algn="l">
-              <a:lnSpc>
-                <a:spcPct val="115000"/>
-              </a:lnSpc>
-              <a:spcBef>
-                <a:spcPts val="200"/>
-              </a:spcBef>
-              <a:spcAft>
-                <a:spcPts val="0"/>
-              </a:spcAft>
-              <a:buNone/>
-            </a:pPr>
-            <a:r>
-              <a:rPr lang="ru" sz="1000">
-                <a:solidFill>
-                  <a:schemeClr val="dk1"/>
-                </a:solidFill>
-                <a:highlight>
-                  <a:srgbClr val="F0EBF8"/>
-                </a:highlight>
-                <a:latin typeface="Roboto"/>
-                <a:ea typeface="Roboto"/>
-                <a:cs typeface="Roboto"/>
-                <a:sym typeface="Roboto"/>
-              </a:rPr>
-              <a:t>00:30:00</a:t>
-            </a:r>
-            <a:endParaRPr sz="1050">
-              <a:solidFill>
-                <a:schemeClr val="dk1"/>
-              </a:solidFill>
-              <a:latin typeface="Roboto"/>
-              <a:ea typeface="Roboto"/>
-              <a:cs typeface="Roboto"/>
-              <a:sym typeface="Roboto"/>
-            </a:endParaRPr>
-          </a:p>
-          <a:p>
-            <a:pPr indent="0" lvl="0" marL="152400" marR="152400" rtl="0" algn="r">
-              <a:lnSpc>
-                <a:spcPct val="115000"/>
-              </a:lnSpc>
-              <a:spcBef>
-                <a:spcPts val="200"/>
-              </a:spcBef>
-              <a:spcAft>
-                <a:spcPts val="0"/>
-              </a:spcAft>
-              <a:buNone/>
-            </a:pPr>
-            <a:r>
-              <a:t/>
-            </a:r>
-            <a:endParaRPr sz="1050">
-              <a:solidFill>
-                <a:schemeClr val="dk1"/>
-              </a:solidFill>
-              <a:latin typeface="Roboto"/>
-              <a:ea typeface="Roboto"/>
-              <a:cs typeface="Roboto"/>
-              <a:sym typeface="Roboto"/>
-            </a:endParaRPr>
-          </a:p>
-          <a:p>
-            <a:pPr indent="0" lvl="0" marL="279400" marR="127000" rtl="0" algn="l">
-              <a:lnSpc>
-                <a:spcPct val="115000"/>
-              </a:lnSpc>
-              <a:spcBef>
-                <a:spcPts val="200"/>
-              </a:spcBef>
-              <a:spcAft>
-                <a:spcPts val="0"/>
-              </a:spcAft>
-              <a:buNone/>
-            </a:pPr>
-            <a:r>
-              <a:rPr lang="ru" sz="1000">
-                <a:solidFill>
-                  <a:schemeClr val="dk1"/>
-                </a:solidFill>
-                <a:highlight>
-                  <a:srgbClr val="F0EBF8"/>
-                </a:highlight>
-                <a:latin typeface="Roboto"/>
-                <a:ea typeface="Roboto"/>
-                <a:cs typeface="Roboto"/>
-                <a:sym typeface="Roboto"/>
-              </a:rPr>
-              <a:t>01:01:01</a:t>
-            </a:r>
-            <a:endParaRPr sz="1000">
-              <a:solidFill>
-                <a:schemeClr val="dk1"/>
-              </a:solidFill>
-              <a:highlight>
-                <a:srgbClr val="F0EBF8"/>
-              </a:highlight>
-              <a:latin typeface="Roboto"/>
-              <a:ea typeface="Roboto"/>
-              <a:cs typeface="Roboto"/>
-              <a:sym typeface="Roboto"/>
-            </a:endParaRPr>
-          </a:p>
-          <a:p>
-            <a:pPr indent="0" lvl="0" marL="279400" marR="127000" rtl="0" algn="l">
-              <a:lnSpc>
-                <a:spcPct val="115000"/>
-              </a:lnSpc>
-              <a:spcBef>
-                <a:spcPts val="200"/>
-              </a:spcBef>
-              <a:spcAft>
-                <a:spcPts val="0"/>
-              </a:spcAft>
-              <a:buNone/>
-            </a:pPr>
-            <a:r>
-              <a:t/>
-            </a:r>
-            <a:endParaRPr sz="1000">
-              <a:solidFill>
-                <a:schemeClr val="dk1"/>
-              </a:solidFill>
-              <a:highlight>
-                <a:srgbClr val="F0EBF8"/>
-              </a:highlight>
-              <a:latin typeface="Roboto"/>
-              <a:ea typeface="Roboto"/>
-              <a:cs typeface="Roboto"/>
-              <a:sym typeface="Roboto"/>
-            </a:endParaRPr>
-          </a:p>
-          <a:p>
-            <a:pPr indent="0" lvl="0" marL="279400" marR="127000" rtl="0" algn="l">
-              <a:lnSpc>
-                <a:spcPct val="115000"/>
-              </a:lnSpc>
-              <a:spcBef>
-                <a:spcPts val="200"/>
-              </a:spcBef>
-              <a:spcAft>
-                <a:spcPts val="0"/>
-              </a:spcAft>
-              <a:buNone/>
-            </a:pPr>
-            <a:r>
-              <a:rPr lang="ru" sz="1000">
-                <a:solidFill>
-                  <a:schemeClr val="dk1"/>
-                </a:solidFill>
-                <a:highlight>
-                  <a:srgbClr val="F0EBF8"/>
-                </a:highlight>
-                <a:latin typeface="Roboto"/>
-                <a:ea typeface="Roboto"/>
-                <a:cs typeface="Roboto"/>
-                <a:sym typeface="Roboto"/>
-              </a:rPr>
-              <a:t>01:30:00</a:t>
-            </a:r>
-            <a:endParaRPr sz="1000">
-              <a:solidFill>
-                <a:schemeClr val="dk1"/>
-              </a:solidFill>
-              <a:highlight>
-                <a:srgbClr val="F0EBF8"/>
-              </a:highlight>
-              <a:latin typeface="Roboto"/>
-              <a:ea typeface="Roboto"/>
-              <a:cs typeface="Roboto"/>
-              <a:sym typeface="Roboto"/>
-            </a:endParaRPr>
-          </a:p>
-          <a:p>
-            <a:pPr indent="0" lvl="0" marL="152400" marR="152400" rtl="0" algn="r">
-              <a:lnSpc>
-                <a:spcPct val="115000"/>
-              </a:lnSpc>
-              <a:spcBef>
-                <a:spcPts val="200"/>
-              </a:spcBef>
-              <a:spcAft>
-                <a:spcPts val="0"/>
-              </a:spcAft>
-              <a:buNone/>
-            </a:pPr>
-            <a:r>
-              <a:t/>
-            </a:r>
-            <a:endParaRPr sz="1050">
-              <a:solidFill>
-                <a:schemeClr val="dk1"/>
-              </a:solidFill>
-              <a:latin typeface="Roboto"/>
-              <a:ea typeface="Roboto"/>
-              <a:cs typeface="Roboto"/>
-              <a:sym typeface="Roboto"/>
-            </a:endParaRPr>
-          </a:p>
-          <a:p>
-            <a:pPr indent="0" lvl="0" marL="279400" marR="127000" rtl="0" algn="l">
-              <a:lnSpc>
-                <a:spcPct val="115000"/>
-              </a:lnSpc>
-              <a:spcBef>
-                <a:spcPts val="200"/>
-              </a:spcBef>
-              <a:spcAft>
-                <a:spcPts val="0"/>
-              </a:spcAft>
-              <a:buNone/>
-            </a:pPr>
-            <a:r>
-              <a:rPr lang="ru" sz="1000">
-                <a:solidFill>
-                  <a:schemeClr val="dk1"/>
-                </a:solidFill>
-                <a:highlight>
-                  <a:srgbClr val="F0EBF8"/>
-                </a:highlight>
-                <a:latin typeface="Roboto"/>
-                <a:ea typeface="Roboto"/>
-                <a:cs typeface="Roboto"/>
-                <a:sym typeface="Roboto"/>
-              </a:rPr>
-              <a:t>02:30:15</a:t>
-            </a:r>
-            <a:endParaRPr sz="1000">
-              <a:solidFill>
-                <a:schemeClr val="dk1"/>
-              </a:solidFill>
-              <a:highlight>
-                <a:srgbClr val="F0EBF8"/>
-              </a:highlight>
-              <a:latin typeface="Roboto"/>
-              <a:ea typeface="Roboto"/>
-              <a:cs typeface="Roboto"/>
-              <a:sym typeface="Roboto"/>
-            </a:endParaRPr>
-          </a:p>
-          <a:p>
-            <a:pPr indent="0" lvl="0" marL="152400" marR="152400" rtl="0" algn="r">
-              <a:lnSpc>
-                <a:spcPct val="115000"/>
-              </a:lnSpc>
-              <a:spcBef>
-                <a:spcPts val="200"/>
-              </a:spcBef>
-              <a:spcAft>
-                <a:spcPts val="0"/>
-              </a:spcAft>
-              <a:buNone/>
-            </a:pPr>
-            <a:r>
-              <a:t/>
-            </a:r>
-            <a:endParaRPr sz="1050">
-              <a:solidFill>
-                <a:schemeClr val="dk1"/>
-              </a:solidFill>
-              <a:latin typeface="Roboto"/>
-              <a:ea typeface="Roboto"/>
-              <a:cs typeface="Roboto"/>
-              <a:sym typeface="Roboto"/>
-            </a:endParaRPr>
-          </a:p>
-          <a:p>
-            <a:pPr indent="0" lvl="0" marL="279400" marR="127000" rtl="0" algn="l">
-              <a:lnSpc>
-                <a:spcPct val="115000"/>
-              </a:lnSpc>
-              <a:spcBef>
-                <a:spcPts val="200"/>
-              </a:spcBef>
-              <a:spcAft>
-                <a:spcPts val="0"/>
-              </a:spcAft>
-              <a:buNone/>
-            </a:pPr>
-            <a:r>
-              <a:rPr lang="ru" sz="1000">
-                <a:solidFill>
-                  <a:schemeClr val="dk1"/>
-                </a:solidFill>
-                <a:highlight>
-                  <a:srgbClr val="F0EBF8"/>
-                </a:highlight>
-                <a:latin typeface="Roboto"/>
-                <a:ea typeface="Roboto"/>
-                <a:cs typeface="Roboto"/>
-                <a:sym typeface="Roboto"/>
-              </a:rPr>
-              <a:t>03:00:00</a:t>
-            </a:r>
-            <a:endParaRPr sz="1050">
-              <a:solidFill>
-                <a:schemeClr val="dk1"/>
-              </a:solidFill>
-              <a:latin typeface="Roboto"/>
-              <a:ea typeface="Roboto"/>
-              <a:cs typeface="Roboto"/>
-              <a:sym typeface="Roboto"/>
-            </a:endParaRPr>
-          </a:p>
-          <a:p>
-            <a:pPr indent="0" lvl="0" marL="152400" marR="152400" rtl="0" algn="r">
-              <a:lnSpc>
-                <a:spcPct val="115000"/>
-              </a:lnSpc>
-              <a:spcBef>
-                <a:spcPts val="200"/>
-              </a:spcBef>
-              <a:spcAft>
-                <a:spcPts val="0"/>
-              </a:spcAft>
-              <a:buNone/>
-            </a:pPr>
-            <a:r>
-              <a:t/>
-            </a:r>
-            <a:endParaRPr sz="1050">
-              <a:solidFill>
-                <a:schemeClr val="dk1"/>
-              </a:solidFill>
-              <a:latin typeface="Roboto"/>
-              <a:ea typeface="Roboto"/>
-              <a:cs typeface="Roboto"/>
-              <a:sym typeface="Roboto"/>
-            </a:endParaRPr>
-          </a:p>
-          <a:p>
-            <a:pPr indent="0" lvl="0" marL="152400" marR="152400" rtl="0" algn="l">
-              <a:lnSpc>
-                <a:spcPct val="115000"/>
-              </a:lnSpc>
-              <a:spcBef>
-                <a:spcPts val="0"/>
-              </a:spcBef>
-              <a:spcAft>
-                <a:spcPts val="0"/>
-              </a:spcAft>
-              <a:buNone/>
-            </a:pPr>
-            <a:r>
-              <a:rPr lang="ru" sz="1050">
-                <a:solidFill>
-                  <a:schemeClr val="dk1"/>
-                </a:solidFill>
-                <a:latin typeface="Roboto"/>
-                <a:ea typeface="Roboto"/>
-                <a:cs typeface="Roboto"/>
-                <a:sym typeface="Roboto"/>
-              </a:rPr>
-              <a:t>     </a:t>
-            </a:r>
-            <a:r>
-              <a:rPr lang="ru" sz="1000">
-                <a:solidFill>
-                  <a:schemeClr val="dk1"/>
-                </a:solidFill>
-                <a:highlight>
-                  <a:srgbClr val="F0EBF8"/>
-                </a:highlight>
-                <a:latin typeface="Roboto"/>
-                <a:ea typeface="Roboto"/>
-                <a:cs typeface="Roboto"/>
-                <a:sym typeface="Roboto"/>
-              </a:rPr>
-              <a:t>05:15:00 </a:t>
-            </a:r>
-            <a:endParaRPr sz="1000">
-              <a:solidFill>
-                <a:schemeClr val="dk1"/>
-              </a:solidFill>
-              <a:highlight>
-                <a:srgbClr val="F0EBF8"/>
-              </a:highlight>
-              <a:latin typeface="Roboto"/>
-              <a:ea typeface="Roboto"/>
-              <a:cs typeface="Roboto"/>
-              <a:sym typeface="Roboto"/>
-            </a:endParaRPr>
-          </a:p>
-          <a:p>
-            <a:pPr indent="0" lvl="0" marL="152400" marR="152400" rtl="0" algn="l">
-              <a:lnSpc>
-                <a:spcPct val="115000"/>
-              </a:lnSpc>
-              <a:spcBef>
-                <a:spcPts val="0"/>
-              </a:spcBef>
-              <a:spcAft>
-                <a:spcPts val="0"/>
-              </a:spcAft>
-              <a:buNone/>
-            </a:pPr>
-            <a:r>
-              <a:t/>
-            </a:r>
-            <a:endParaRPr sz="1000">
-              <a:solidFill>
-                <a:schemeClr val="dk1"/>
-              </a:solidFill>
-              <a:highlight>
-                <a:srgbClr val="F0EBF8"/>
-              </a:highlight>
-              <a:latin typeface="Roboto"/>
-              <a:ea typeface="Roboto"/>
-              <a:cs typeface="Roboto"/>
-              <a:sym typeface="Roboto"/>
-            </a:endParaRPr>
-          </a:p>
-          <a:p>
-            <a:pPr indent="0" lvl="0" marL="279400" marR="127000" rtl="0" algn="l">
-              <a:lnSpc>
-                <a:spcPct val="115000"/>
-              </a:lnSpc>
-              <a:spcBef>
-                <a:spcPts val="200"/>
-              </a:spcBef>
-              <a:spcAft>
-                <a:spcPts val="0"/>
-              </a:spcAft>
-              <a:buNone/>
-            </a:pPr>
-            <a:r>
-              <a:rPr lang="ru" sz="1000">
-                <a:solidFill>
-                  <a:schemeClr val="dk1"/>
-                </a:solidFill>
-                <a:highlight>
-                  <a:srgbClr val="F0EBF8"/>
-                </a:highlight>
-                <a:latin typeface="Roboto"/>
-                <a:ea typeface="Roboto"/>
-                <a:cs typeface="Roboto"/>
-                <a:sym typeface="Roboto"/>
-              </a:rPr>
-              <a:t>05:30:55</a:t>
-            </a:r>
-            <a:endParaRPr sz="1050">
-              <a:solidFill>
-                <a:schemeClr val="dk1"/>
-              </a:solidFill>
-              <a:latin typeface="Roboto"/>
-              <a:ea typeface="Roboto"/>
-              <a:cs typeface="Roboto"/>
-              <a:sym typeface="Roboto"/>
-            </a:endParaRPr>
-          </a:p>
-          <a:p>
-            <a:pPr indent="0" lvl="0" marL="152400" marR="152400" rtl="0" algn="r">
-              <a:lnSpc>
-                <a:spcPct val="115000"/>
-              </a:lnSpc>
-              <a:spcBef>
-                <a:spcPts val="200"/>
-              </a:spcBef>
-              <a:spcAft>
-                <a:spcPts val="0"/>
-              </a:spcAft>
-              <a:buNone/>
-            </a:pPr>
-            <a:r>
-              <a:t/>
-            </a:r>
-            <a:endParaRPr sz="1050">
-              <a:solidFill>
-                <a:schemeClr val="dk1"/>
-              </a:solidFill>
-              <a:latin typeface="Roboto"/>
-              <a:ea typeface="Roboto"/>
-              <a:cs typeface="Roboto"/>
-              <a:sym typeface="Roboto"/>
-            </a:endParaRPr>
-          </a:p>
-          <a:p>
-            <a:pPr indent="0" lvl="0" marL="279400" marR="127000" rtl="0" algn="l">
-              <a:lnSpc>
-                <a:spcPct val="115000"/>
-              </a:lnSpc>
-              <a:spcBef>
-                <a:spcPts val="200"/>
-              </a:spcBef>
-              <a:spcAft>
-                <a:spcPts val="200"/>
-              </a:spcAft>
-              <a:buNone/>
-            </a:pPr>
-            <a:r>
-              <a:rPr lang="ru" sz="1000">
-                <a:solidFill>
-                  <a:schemeClr val="dk1"/>
-                </a:solidFill>
-                <a:highlight>
-                  <a:srgbClr val="F0EBF8"/>
-                </a:highlight>
-                <a:latin typeface="Roboto"/>
-                <a:ea typeface="Roboto"/>
-                <a:cs typeface="Roboto"/>
-                <a:sym typeface="Roboto"/>
-              </a:rPr>
-              <a:t>10:10:20</a:t>
-            </a:r>
-            <a:endParaRPr sz="1000">
-              <a:solidFill>
-                <a:schemeClr val="dk1"/>
-              </a:solidFill>
-              <a:highlight>
-                <a:srgbClr val="F0EBF8"/>
-              </a:highlight>
-              <a:latin typeface="Roboto"/>
-              <a:ea typeface="Roboto"/>
-              <a:cs typeface="Roboto"/>
-              <a:sym typeface="Roboto"/>
-            </a:endParaRPr>
-          </a:p>
-        </p:txBody>
-      </p:sp>
-    </p:spTree>
-  </p:cSld>
-  <p:clrMapOvr>
-    <a:masterClrMapping/>
-  </p:clrMapOvr>
-</p:sld>
-</file>
-
-<file path=ppt/slides/slide12.xml><?xml version="1.0" encoding="utf-8"?>
-<p:sld xmlns:a="http://schemas.openxmlformats.org/drawingml/2006/main" xmlns:r="http://schemas.openxmlformats.org/officeDocument/2006/relationships" xmlns:mc="http://schemas.openxmlformats.org/markup-compatibility/2006" xmlns:mv="urn:schemas-microsoft-com:mac:vml" xmlns:p="http://schemas.openxmlformats.org/presentationml/2006/main" xmlns:c="http://schemas.openxmlformats.org/drawingml/2006/chart" xmlns:dgm="http://schemas.openxmlformats.org/drawingml/2006/diagram" xmlns:o="urn:schemas-microsoft-com:office:office" xmlns:v="urn:schemas-microsoft-com:vml" xmlns:pvml="urn:schemas-microsoft-com:office:powerpoint" xmlns:com="http://schemas.openxmlformats.org/drawingml/2006/compatibility" xmlns:p14="http://schemas.microsoft.com/office/powerpoint/2010/main" xmlns:p15="http://schemas.microsoft.com/office/powerpoint/2012/main" xmlns:ahyp="http://schemas.microsoft.com/office/drawing/2018/hyperlinkcolor">
-  <p:cSld>
-    <p:spTree>
-      <p:nvGrpSpPr>
-        <p:cNvPr id="110" name="Shape 110"/>
+        <p:cNvPr id="99" name="Shape 99"/>
         <p:cNvGrpSpPr/>
         <p:nvPr/>
       </p:nvGrpSpPr>
@@ -8186,7 +6658,7 @@
       </p:grpSpPr>
       <p:pic>
         <p:nvPicPr>
-          <p:cNvPr descr="Диаграмма ответов в Формах. Вопрос: Влияет ли музыка на ваше настроение. Количество ответов: 12 ответов." id="111" name="Google Shape;111;p24" title="Влияет ли музыка на ваше настроение"/>
+          <p:cNvPr descr="Диаграмма ответов в Формах. Вопрос: кто был тренером Барселоны в период ее золотого десятилетия 2008-2012 годов ?. Количество ответов: Верных ответов: 6 из 11." id="100" name="Google Shape;100;p22" title="кто был тренером Барселоны в период ее золотого десятилетия 2008-2012 годов ?"/>
           <p:cNvPicPr preferRelativeResize="0"/>
           <p:nvPr/>
         </p:nvPicPr>
@@ -8220,12 +6692,12 @@
 </p:sld>
 </file>
 
-<file path=ppt/slides/slide13.xml><?xml version="1.0" encoding="utf-8"?>
+<file path=ppt/slides/slide11.xml><?xml version="1.0" encoding="utf-8"?>
 <p:sld xmlns:a="http://schemas.openxmlformats.org/drawingml/2006/main" xmlns:r="http://schemas.openxmlformats.org/officeDocument/2006/relationships" xmlns:mc="http://schemas.openxmlformats.org/markup-compatibility/2006" xmlns:mv="urn:schemas-microsoft-com:mac:vml" xmlns:p="http://schemas.openxmlformats.org/presentationml/2006/main" xmlns:c="http://schemas.openxmlformats.org/drawingml/2006/chart" xmlns:dgm="http://schemas.openxmlformats.org/drawingml/2006/diagram" xmlns:o="urn:schemas-microsoft-com:office:office" xmlns:v="urn:schemas-microsoft-com:vml" xmlns:pvml="urn:schemas-microsoft-com:office:powerpoint" xmlns:com="http://schemas.openxmlformats.org/drawingml/2006/compatibility" xmlns:p14="http://schemas.microsoft.com/office/powerpoint/2010/main" xmlns:p15="http://schemas.microsoft.com/office/powerpoint/2012/main" xmlns:ahyp="http://schemas.microsoft.com/office/drawing/2018/hyperlinkcolor">
   <p:cSld>
     <p:spTree>
       <p:nvGrpSpPr>
-        <p:cNvPr id="115" name="Shape 115"/>
+        <p:cNvPr id="104" name="Shape 104"/>
         <p:cNvGrpSpPr/>
         <p:nvPr/>
       </p:nvGrpSpPr>
@@ -8239,7 +6711,7 @@
       </p:grpSpPr>
       <p:pic>
         <p:nvPicPr>
-          <p:cNvPr descr="Диаграмма ответов в Формах. Вопрос: Как вы относитесь к живым концертам ?. Количество ответов: 12 ответов." id="116" name="Google Shape;116;p25" title="Как вы относитесь к живым концертам ?"/>
+          <p:cNvPr descr="Диаграмма ответов в Формах. Вопрос: какой из этих игроков выступал в роли вратарья?. Количество ответов: Верных ответов: 5 из 11." id="105" name="Google Shape;105;p23" title="какой из этих игроков выступал в роли вратарья?"/>
           <p:cNvPicPr preferRelativeResize="0"/>
           <p:nvPr/>
         </p:nvPicPr>
@@ -8254,7 +6726,60 @@
         <p:spPr>
           <a:xfrm>
             <a:off x="152400" y="152400"/>
-            <a:ext cx="8839204" cy="3720407"/>
+            <a:ext cx="8839204" cy="4203801"/>
+          </a:xfrm>
+          <a:prstGeom prst="rect">
+            <a:avLst/>
+          </a:prstGeom>
+          <a:noFill/>
+          <a:ln>
+            <a:noFill/>
+          </a:ln>
+        </p:spPr>
+      </p:pic>
+    </p:spTree>
+  </p:cSld>
+  <p:clrMapOvr>
+    <a:masterClrMapping/>
+  </p:clrMapOvr>
+</p:sld>
+</file>
+
+<file path=ppt/slides/slide12.xml><?xml version="1.0" encoding="utf-8"?>
+<p:sld xmlns:a="http://schemas.openxmlformats.org/drawingml/2006/main" xmlns:r="http://schemas.openxmlformats.org/officeDocument/2006/relationships" xmlns:mc="http://schemas.openxmlformats.org/markup-compatibility/2006" xmlns:mv="urn:schemas-microsoft-com:mac:vml" xmlns:p="http://schemas.openxmlformats.org/presentationml/2006/main" xmlns:c="http://schemas.openxmlformats.org/drawingml/2006/chart" xmlns:dgm="http://schemas.openxmlformats.org/drawingml/2006/diagram" xmlns:o="urn:schemas-microsoft-com:office:office" xmlns:v="urn:schemas-microsoft-com:vml" xmlns:pvml="urn:schemas-microsoft-com:office:powerpoint" xmlns:com="http://schemas.openxmlformats.org/drawingml/2006/compatibility" xmlns:p14="http://schemas.microsoft.com/office/powerpoint/2010/main" xmlns:p15="http://schemas.microsoft.com/office/powerpoint/2012/main" xmlns:ahyp="http://schemas.microsoft.com/office/drawing/2018/hyperlinkcolor">
+  <p:cSld>
+    <p:spTree>
+      <p:nvGrpSpPr>
+        <p:cNvPr id="109" name="Shape 109"/>
+        <p:cNvGrpSpPr/>
+        <p:nvPr/>
+      </p:nvGrpSpPr>
+      <p:grpSpPr>
+        <a:xfrm>
+          <a:off x="0" y="0"/>
+          <a:ext cx="0" cy="0"/>
+          <a:chOff x="0" y="0"/>
+          <a:chExt cx="0" cy="0"/>
+        </a:xfrm>
+      </p:grpSpPr>
+      <p:pic>
+        <p:nvPicPr>
+          <p:cNvPr descr="Диаграмма ответов в Формах. Вопрос: в каком году они выиграли первый требл?. Количество ответов: Верных ответов: 6 из 11." id="110" name="Google Shape;110;p24" title="в каком году они выиграли первый требл?"/>
+          <p:cNvPicPr preferRelativeResize="0"/>
+          <p:nvPr/>
+        </p:nvPicPr>
+        <p:blipFill>
+          <a:blip r:embed="rId3">
+            <a:alphaModFix/>
+          </a:blip>
+          <a:stretch>
+            <a:fillRect/>
+          </a:stretch>
+        </p:blipFill>
+        <p:spPr>
+          <a:xfrm>
+            <a:off x="152400" y="152400"/>
+            <a:ext cx="8839204" cy="4203801"/>
           </a:xfrm>
           <a:prstGeom prst="rect">
             <a:avLst/>
@@ -8278,7 +6803,7 @@
   <p:cSld>
     <p:spTree>
       <p:nvGrpSpPr>
-        <p:cNvPr id="60" name="Shape 60"/>
+        <p:cNvPr id="59" name="Shape 59"/>
         <p:cNvGrpSpPr/>
         <p:nvPr/>
       </p:nvGrpSpPr>
@@ -8292,7 +6817,7 @@
       </p:grpSpPr>
       <p:pic>
         <p:nvPicPr>
-          <p:cNvPr id="61" name="Google Shape;61;p14"/>
+          <p:cNvPr id="60" name="Google Shape;60;p14"/>
           <p:cNvPicPr preferRelativeResize="0"/>
           <p:nvPr/>
         </p:nvPicPr>
@@ -8300,13 +6825,13 @@
           <a:blip r:embed="rId3">
             <a:alphaModFix/>
           </a:blip>
-          <a:srcRect b="57637" l="28651" r="28647" t="17377"/>
+          <a:srcRect b="53565" l="20619" r="16782" t="25854"/>
           <a:stretch/>
         </p:blipFill>
         <p:spPr>
           <a:xfrm>
-            <a:off x="239376" y="939825"/>
-            <a:ext cx="7813627" cy="2571750"/>
+            <a:off x="0" y="564700"/>
+            <a:ext cx="8974326" cy="1658774"/>
           </a:xfrm>
           <a:prstGeom prst="rect">
             <a:avLst/>
@@ -8330,7 +6855,7 @@
   <p:cSld>
     <p:spTree>
       <p:nvGrpSpPr>
-        <p:cNvPr id="65" name="Shape 65"/>
+        <p:cNvPr id="64" name="Shape 64"/>
         <p:cNvGrpSpPr/>
         <p:nvPr/>
       </p:nvGrpSpPr>
@@ -8344,21 +6869,22 @@
       </p:grpSpPr>
       <p:pic>
         <p:nvPicPr>
-          <p:cNvPr descr="Диаграмма ответов в Формах. Вопрос: Какой жанр музыки вам нравится больше всего?. Количество ответов: 12 ответов." id="66" name="Google Shape;66;p15" title="Какой жанр музыки вам нравится больше всего?"/>
+          <p:cNvPr descr="Диаграмма ответов в Формах. Вопрос: когда был основан ФК Барселона ?. Количество ответов: Верных ответов: 7 из 11." id="65" name="Google Shape;65;p15" title="когда был основан ФК Барселона ?"/>
           <p:cNvPicPr preferRelativeResize="0"/>
           <p:nvPr/>
         </p:nvPicPr>
-        <p:blipFill rotWithShape="1">
+        <p:blipFill>
           <a:blip r:embed="rId3">
             <a:alphaModFix/>
           </a:blip>
-          <a:srcRect b="-2649" l="-400" r="399" t="2649"/>
-          <a:stretch/>
+          <a:stretch>
+            <a:fillRect/>
+          </a:stretch>
         </p:blipFill>
         <p:spPr>
           <a:xfrm>
-            <a:off x="0" y="49977"/>
-            <a:ext cx="9144003" cy="3848696"/>
+            <a:off x="152400" y="152400"/>
+            <a:ext cx="8839204" cy="4203801"/>
           </a:xfrm>
           <a:prstGeom prst="rect">
             <a:avLst/>
@@ -8382,7 +6908,7 @@
   <p:cSld>
     <p:spTree>
       <p:nvGrpSpPr>
-        <p:cNvPr id="70" name="Shape 70"/>
+        <p:cNvPr id="69" name="Shape 69"/>
         <p:cNvGrpSpPr/>
         <p:nvPr/>
       </p:nvGrpSpPr>
@@ -8396,7 +6922,7 @@
       </p:grpSpPr>
       <p:pic>
         <p:nvPicPr>
-          <p:cNvPr descr="Диаграмма ответов в Формах. Вопрос: Где вы обычно слушаете музыку?. Количество ответов: 12 ответов." id="71" name="Google Shape;71;p16" title="Где вы обычно слушаете музыку?"/>
+          <p:cNvPr descr="Диаграмма ответов в Формах. Вопрос: какой стадион является домашней ареной Барселоны?. Количество ответов: Верных ответов: 8 из 11." id="70" name="Google Shape;70;p16" title="какой стадион является домашней ареной Барселоны?"/>
           <p:cNvPicPr preferRelativeResize="0"/>
           <p:nvPr/>
         </p:nvPicPr>
@@ -8411,7 +6937,7 @@
         <p:spPr>
           <a:xfrm>
             <a:off x="152400" y="152400"/>
-            <a:ext cx="8839204" cy="3720407"/>
+            <a:ext cx="8839204" cy="4203801"/>
           </a:xfrm>
           <a:prstGeom prst="rect">
             <a:avLst/>
@@ -8435,7 +6961,7 @@
   <p:cSld>
     <p:spTree>
       <p:nvGrpSpPr>
-        <p:cNvPr id="75" name="Shape 75"/>
+        <p:cNvPr id="74" name="Shape 74"/>
         <p:cNvGrpSpPr/>
         <p:nvPr/>
       </p:nvGrpSpPr>
@@ -8449,7 +6975,7 @@
       </p:grpSpPr>
       <p:pic>
         <p:nvPicPr>
-          <p:cNvPr descr="Диаграмма ответов в Формах. Вопрос: Какой ваш любимый исполнитель ?. Количество ответов: 11 ответов." id="76" name="Google Shape;76;p17" title="Какой ваш любимый исполнитель ?"/>
+          <p:cNvPr descr="Диаграмма ответов в Формах. Вопрос: кто считается рекордсменом по количеству голов за барселоны ?. Количество ответов: Верных ответов: 8 из 11." id="75" name="Google Shape;75;p17" title="кто считается рекордсменом по количеству голов за барселоны ?"/>
           <p:cNvPicPr preferRelativeResize="0"/>
           <p:nvPr/>
         </p:nvPicPr>
@@ -8463,7 +6989,7 @@
         </p:blipFill>
         <p:spPr>
           <a:xfrm>
-            <a:off x="101400" y="166975"/>
+            <a:off x="152400" y="152400"/>
             <a:ext cx="8839204" cy="4203801"/>
           </a:xfrm>
           <a:prstGeom prst="rect">
@@ -8488,7 +7014,7 @@
   <p:cSld>
     <p:spTree>
       <p:nvGrpSpPr>
-        <p:cNvPr id="80" name="Shape 80"/>
+        <p:cNvPr id="79" name="Shape 79"/>
         <p:cNvGrpSpPr/>
         <p:nvPr/>
       </p:nvGrpSpPr>
@@ -8502,7 +7028,7 @@
       </p:grpSpPr>
       <p:pic>
         <p:nvPicPr>
-          <p:cNvPr descr="Диаграмма ответов в Формах. Вопрос: Как часто вы слушаете музыку ?. Количество ответов: 12 ответов." id="81" name="Google Shape;81;p18" title="Как часто вы слушаете музыку ?"/>
+          <p:cNvPr descr="Диаграмма ответов в Формах. Вопрос: с кем Барселона соперничает в Эль-Класико?. Количество ответов: Верных ответов: 9 из 11." id="80" name="Google Shape;80;p18" title="с кем Барселона соперничает в Эль-Класико?"/>
           <p:cNvPicPr preferRelativeResize="0"/>
           <p:nvPr/>
         </p:nvPicPr>
@@ -8541,7 +7067,7 @@
   <p:cSld>
     <p:spTree>
       <p:nvGrpSpPr>
-        <p:cNvPr id="85" name="Shape 85"/>
+        <p:cNvPr id="84" name="Shape 84"/>
         <p:cNvGrpSpPr/>
         <p:nvPr/>
       </p:nvGrpSpPr>
@@ -8555,7 +7081,7 @@
       </p:grpSpPr>
       <p:pic>
         <p:nvPicPr>
-          <p:cNvPr descr="Диаграмма ответов в Формах. Вопрос: Каким способом вы обычно слушаете музыку ?. Количество ответов: 12 ответов." id="86" name="Google Shape;86;p19" title="Каким способом вы обычно слушаете музыку ?"/>
+          <p:cNvPr descr="Диаграмма ответов в Формах. Вопрос: сколько раз Барселона выигрывала ЛЧ?. Количество ответов: Верных ответов: 8 из 11." id="85" name="Google Shape;85;p19" title="сколько раз Барселона выигрывала ЛЧ?"/>
           <p:cNvPicPr preferRelativeResize="0"/>
           <p:nvPr/>
         </p:nvPicPr>
@@ -8594,7 +7120,7 @@
   <p:cSld>
     <p:spTree>
       <p:nvGrpSpPr>
-        <p:cNvPr id="90" name="Shape 90"/>
+        <p:cNvPr id="89" name="Shape 89"/>
         <p:cNvGrpSpPr/>
         <p:nvPr/>
       </p:nvGrpSpPr>
@@ -8608,7 +7134,7 @@
       </p:grpSpPr>
       <p:pic>
         <p:nvPicPr>
-          <p:cNvPr descr="Диаграмма ответов в Формах. Вопрос: На каком языке вы чаще всего слушаете музыку?. Количество ответов: 12 ответов." id="91" name="Google Shape;91;p20" title="На каком языке вы чаще всего слушаете музыку?"/>
+          <p:cNvPr descr="Диаграмма ответов в Формах. Вопрос: какой игрок из списка не играл за Барселону?. Количество ответов: Верных ответов: 10 из 11." id="90" name="Google Shape;90;p20" title="какой игрок из списка не играл за Барселону?"/>
           <p:cNvPicPr preferRelativeResize="0"/>
           <p:nvPr/>
         </p:nvPicPr>
@@ -8623,7 +7149,7 @@
         <p:spPr>
           <a:xfrm>
             <a:off x="152400" y="152400"/>
-            <a:ext cx="8839204" cy="3720407"/>
+            <a:ext cx="8839204" cy="4203801"/>
           </a:xfrm>
           <a:prstGeom prst="rect">
             <a:avLst/>
@@ -8647,7 +7173,7 @@
   <p:cSld>
     <p:spTree>
       <p:nvGrpSpPr>
-        <p:cNvPr id="95" name="Shape 95"/>
+        <p:cNvPr id="94" name="Shape 94"/>
         <p:cNvGrpSpPr/>
         <p:nvPr/>
       </p:nvGrpSpPr>
@@ -8661,7 +7187,7 @@
       </p:grpSpPr>
       <p:pic>
         <p:nvPicPr>
-          <p:cNvPr descr="Диаграмма ответов в Формах. Вопрос: Считаете ли вы что музыка плохо влияет на человека. Количество ответов: 11 ответов." id="96" name="Google Shape;96;p21" title="Считаете ли вы что музыка плохо влияет на человека"/>
+          <p:cNvPr descr="Диаграмма ответов в Формах. Вопрос: как называется знаменитая академия Барселоны ?. Количество ответов: Верных ответов: 8 из 11." id="95" name="Google Shape;95;p21" title="как называется знаменитая академия Барселоны ?"/>
           <p:cNvPicPr preferRelativeResize="0"/>
           <p:nvPr/>
         </p:nvPicPr>
@@ -8676,7 +7202,7 @@
         <p:spPr>
           <a:xfrm>
             <a:off x="152400" y="152400"/>
-            <a:ext cx="8839204" cy="3720407"/>
+            <a:ext cx="8839204" cy="4203801"/>
           </a:xfrm>
           <a:prstGeom prst="rect">
             <a:avLst/>
@@ -8696,6 +7222,285 @@
 </file>
 
 <file path=ppt/theme/theme1.xml><?xml version="1.0" encoding="utf-8"?>
+<a:theme xmlns:a="http://schemas.openxmlformats.org/drawingml/2006/main" xmlns:r="http://schemas.openxmlformats.org/officeDocument/2006/relationships">
+  <a:themeElements>
+    <a:clrScheme name="Default">
+      <a:dk1>
+        <a:srgbClr val="000000"/>
+      </a:dk1>
+      <a:lt1>
+        <a:srgbClr val="FFFFFF"/>
+      </a:lt1>
+      <a:dk2>
+        <a:srgbClr val="158158"/>
+      </a:dk2>
+      <a:lt2>
+        <a:srgbClr val="F3F3F3"/>
+      </a:lt2>
+      <a:accent1>
+        <a:srgbClr val="058DC7"/>
+      </a:accent1>
+      <a:accent2>
+        <a:srgbClr val="50B432"/>
+      </a:accent2>
+      <a:accent3>
+        <a:srgbClr val="ED561B"/>
+      </a:accent3>
+      <a:accent4>
+        <a:srgbClr val="EDEF00"/>
+      </a:accent4>
+      <a:accent5>
+        <a:srgbClr val="24CBE5"/>
+      </a:accent5>
+      <a:accent6>
+        <a:srgbClr val="64E572"/>
+      </a:accent6>
+      <a:hlink>
+        <a:srgbClr val="2200CC"/>
+      </a:hlink>
+      <a:folHlink>
+        <a:srgbClr val="551A8B"/>
+      </a:folHlink>
+    </a:clrScheme>
+    <a:fontScheme name="Office">
+      <a:majorFont>
+        <a:latin typeface="Arial"/>
+        <a:ea typeface=""/>
+        <a:cs typeface=""/>
+        <a:font script="Jpan" typeface="ＭＳ Ｐゴシック"/>
+        <a:font script="Hang" typeface="맑은 고딕"/>
+        <a:font script="Hans" typeface="宋体"/>
+        <a:font script="Hant" typeface="新細明體"/>
+        <a:font script="Arab" typeface="Times New Roman"/>
+        <a:font script="Hebr" typeface="Times New Roman"/>
+        <a:font script="Thai" typeface="Angsana New"/>
+        <a:font script="Ethi" typeface="Nyala"/>
+        <a:font script="Beng" typeface="Vrinda"/>
+        <a:font script="Gujr" typeface="Shruti"/>
+        <a:font script="Khmr" typeface="MoolBoran"/>
+        <a:font script="Knda" typeface="Tunga"/>
+        <a:font script="Guru" typeface="Raavi"/>
+        <a:font script="Cans" typeface="Euphemia"/>
+        <a:font script="Cher" typeface="Plantagenet Cherokee"/>
+        <a:font script="Yiii" typeface="Microsoft Yi Baiti"/>
+        <a:font script="Tibt" typeface="Microsoft Himalaya"/>
+        <a:font script="Thaa" typeface="MV Boli"/>
+        <a:font script="Deva" typeface="Mangal"/>
+        <a:font script="Telu" typeface="Gautami"/>
+        <a:font script="Taml" typeface="Latha"/>
+        <a:font script="Syrc" typeface="Estrangelo Edessa"/>
+        <a:font script="Orya" typeface="Kalinga"/>
+        <a:font script="Mlym" typeface="Kartika"/>
+        <a:font script="Laoo" typeface="DokChampa"/>
+        <a:font script="Sinh" typeface="Iskoola Pota"/>
+        <a:font script="Mong" typeface="Mongolian Baiti"/>
+        <a:font script="Viet" typeface="Times New Roman"/>
+        <a:font script="Uigh" typeface="Microsoft Uighur"/>
+        <a:font script="Geor" typeface="Sylfaen"/>
+      </a:majorFont>
+      <a:minorFont>
+        <a:latin typeface="Arial"/>
+        <a:ea typeface=""/>
+        <a:cs typeface=""/>
+        <a:font script="Jpan" typeface="ＭＳ Ｐゴシック"/>
+        <a:font script="Hang" typeface="맑은 고딕"/>
+        <a:font script="Hans" typeface="宋体"/>
+        <a:font script="Hant" typeface="新細明體"/>
+        <a:font script="Arab" typeface="Arial"/>
+        <a:font script="Hebr" typeface="Arial"/>
+        <a:font script="Thai" typeface="Cordia New"/>
+        <a:font script="Ethi" typeface="Nyala"/>
+        <a:font script="Beng" typeface="Vrinda"/>
+        <a:font script="Gujr" typeface="Shruti"/>
+        <a:font script="Khmr" typeface="DaunPenh"/>
+        <a:font script="Knda" typeface="Tunga"/>
+        <a:font script="Guru" typeface="Raavi"/>
+        <a:font script="Cans" typeface="Euphemia"/>
+        <a:font script="Cher" typeface="Plantagenet Cherokee"/>
+        <a:font script="Yiii" typeface="Microsoft Yi Baiti"/>
+        <a:font script="Tibt" typeface="Microsoft Himalaya"/>
+        <a:font script="Thaa" typeface="MV Boli"/>
+        <a:font script="Deva" typeface="Mangal"/>
+        <a:font script="Telu" typeface="Gautami"/>
+        <a:font script="Taml" typeface="Latha"/>
+        <a:font script="Syrc" typeface="Estrangelo Edessa"/>
+        <a:font script="Orya" typeface="Kalinga"/>
+        <a:font script="Mlym" typeface="Kartika"/>
+        <a:font script="Laoo" typeface="DokChampa"/>
+        <a:font script="Sinh" typeface="Iskoola Pota"/>
+        <a:font script="Mong" typeface="Mongolian Baiti"/>
+        <a:font script="Viet" typeface="Arial"/>
+        <a:font script="Uigh" typeface="Microsoft Uighur"/>
+        <a:font script="Geor" typeface="Sylfaen"/>
+      </a:minorFont>
+    </a:fontScheme>
+    <a:fmtScheme name="Office">
+      <a:fillStyleLst>
+        <a:solidFill>
+          <a:schemeClr val="phClr"/>
+        </a:solidFill>
+        <a:gradFill rotWithShape="1">
+          <a:gsLst>
+            <a:gs pos="0">
+              <a:schemeClr val="phClr">
+                <a:tint val="50000"/>
+                <a:satMod val="300000"/>
+              </a:schemeClr>
+            </a:gs>
+            <a:gs pos="35000">
+              <a:schemeClr val="phClr">
+                <a:tint val="37000"/>
+                <a:satMod val="300000"/>
+              </a:schemeClr>
+            </a:gs>
+            <a:gs pos="100000">
+              <a:schemeClr val="phClr">
+                <a:tint val="15000"/>
+                <a:satMod val="350000"/>
+              </a:schemeClr>
+            </a:gs>
+          </a:gsLst>
+          <a:lin ang="16200000" scaled="1"/>
+        </a:gradFill>
+        <a:gradFill rotWithShape="1">
+          <a:gsLst>
+            <a:gs pos="0">
+              <a:schemeClr val="phClr">
+                <a:tint val="100000"/>
+                <a:shade val="100000"/>
+                <a:satMod val="130000"/>
+              </a:schemeClr>
+            </a:gs>
+            <a:gs pos="100000">
+              <a:schemeClr val="phClr">
+                <a:tint val="50000"/>
+                <a:shade val="100000"/>
+                <a:satMod val="350000"/>
+              </a:schemeClr>
+            </a:gs>
+          </a:gsLst>
+          <a:lin ang="16200000" scaled="0"/>
+        </a:gradFill>
+      </a:fillStyleLst>
+      <a:lnStyleLst>
+        <a:ln w="9525" cap="flat" cmpd="sng" algn="ctr">
+          <a:solidFill>
+            <a:schemeClr val="phClr">
+              <a:shade val="95000"/>
+              <a:satMod val="105000"/>
+            </a:schemeClr>
+          </a:solidFill>
+          <a:prstDash val="solid"/>
+        </a:ln>
+        <a:ln w="25400" cap="flat" cmpd="sng" algn="ctr">
+          <a:solidFill>
+            <a:schemeClr val="phClr"/>
+          </a:solidFill>
+          <a:prstDash val="solid"/>
+        </a:ln>
+        <a:ln w="38100" cap="flat" cmpd="sng" algn="ctr">
+          <a:solidFill>
+            <a:schemeClr val="phClr"/>
+          </a:solidFill>
+          <a:prstDash val="solid"/>
+        </a:ln>
+      </a:lnStyleLst>
+      <a:effectStyleLst>
+        <a:effectStyle>
+          <a:effectLst>
+            <a:outerShdw blurRad="40000" dist="20000" dir="5400000" rotWithShape="0">
+              <a:srgbClr val="000000">
+                <a:alpha val="38000"/>
+              </a:srgbClr>
+            </a:outerShdw>
+          </a:effectLst>
+        </a:effectStyle>
+        <a:effectStyle>
+          <a:effectLst>
+            <a:outerShdw blurRad="40000" dist="23000" dir="5400000" rotWithShape="0">
+              <a:srgbClr val="000000">
+                <a:alpha val="35000"/>
+              </a:srgbClr>
+            </a:outerShdw>
+          </a:effectLst>
+        </a:effectStyle>
+        <a:effectStyle>
+          <a:effectLst>
+            <a:outerShdw blurRad="40000" dist="23000" dir="5400000" rotWithShape="0">
+              <a:srgbClr val="000000">
+                <a:alpha val="35000"/>
+              </a:srgbClr>
+            </a:outerShdw>
+          </a:effectLst>
+          <a:scene3d>
+            <a:camera prst="orthographicFront">
+              <a:rot lat="0" lon="0" rev="0"/>
+            </a:camera>
+            <a:lightRig rig="threePt" dir="t">
+              <a:rot lat="0" lon="0" rev="1200000"/>
+            </a:lightRig>
+          </a:scene3d>
+          <a:sp3d>
+            <a:bevelT w="63500" h="25400"/>
+          </a:sp3d>
+        </a:effectStyle>
+      </a:effectStyleLst>
+      <a:bgFillStyleLst>
+        <a:solidFill>
+          <a:schemeClr val="phClr"/>
+        </a:solidFill>
+        <a:gradFill rotWithShape="1">
+          <a:gsLst>
+            <a:gs pos="0">
+              <a:schemeClr val="phClr">
+                <a:tint val="40000"/>
+                <a:satMod val="350000"/>
+              </a:schemeClr>
+            </a:gs>
+            <a:gs pos="40000">
+              <a:schemeClr val="phClr">
+                <a:tint val="45000"/>
+                <a:shade val="99000"/>
+                <a:satMod val="350000"/>
+              </a:schemeClr>
+            </a:gs>
+            <a:gs pos="100000">
+              <a:schemeClr val="phClr">
+                <a:shade val="20000"/>
+                <a:satMod val="255000"/>
+              </a:schemeClr>
+            </a:gs>
+          </a:gsLst>
+          <a:path path="circle">
+            <a:fillToRect l="50000" t="-80000" r="50000" b="180000"/>
+          </a:path>
+        </a:gradFill>
+        <a:gradFill rotWithShape="1">
+          <a:gsLst>
+            <a:gs pos="0">
+              <a:schemeClr val="phClr">
+                <a:tint val="80000"/>
+                <a:satMod val="300000"/>
+              </a:schemeClr>
+            </a:gs>
+            <a:gs pos="100000">
+              <a:schemeClr val="phClr">
+                <a:shade val="30000"/>
+                <a:satMod val="200000"/>
+              </a:schemeClr>
+            </a:gs>
+          </a:gsLst>
+          <a:path path="circle">
+            <a:fillToRect l="50000" t="50000" r="50000" b="50000"/>
+          </a:path>
+        </a:gradFill>
+      </a:bgFillStyleLst>
+    </a:fmtScheme>
+  </a:themeElements>
+</a:theme>
+</file>
+
+<file path=ppt/theme/theme2.xml><?xml version="1.0" encoding="utf-8"?>
 <a:theme xmlns:a="http://schemas.openxmlformats.org/drawingml/2006/main" xmlns:r="http://schemas.openxmlformats.org/officeDocument/2006/relationships" name="Simple Light">
   <a:themeElements>
     <a:clrScheme name="Simple Light">
@@ -8972,283 +7777,4 @@
     </a:fmtScheme>
   </a:themeElements>
 </a:theme>
-</file>
-
-<file path=ppt/theme/theme2.xml><?xml version="1.0" encoding="utf-8"?>
-<a:theme xmlns:a="http://schemas.openxmlformats.org/drawingml/2006/main" xmlns:r="http://schemas.openxmlformats.org/officeDocument/2006/relationships">
-  <a:themeElements>
-    <a:clrScheme name="Default">
-      <a:dk1>
-        <a:srgbClr val="000000"/>
-      </a:dk1>
-      <a:lt1>
-        <a:srgbClr val="FFFFFF"/>
-      </a:lt1>
-      <a:dk2>
-        <a:srgbClr val="158158"/>
-      </a:dk2>
-      <a:lt2>
-        <a:srgbClr val="F3F3F3"/>
-      </a:lt2>
-      <a:accent1>
-        <a:srgbClr val="058DC7"/>
-      </a:accent1>
-      <a:accent2>
-        <a:srgbClr val="50B432"/>
-      </a:accent2>
-      <a:accent3>
-        <a:srgbClr val="ED561B"/>
-      </a:accent3>
-      <a:accent4>
-        <a:srgbClr val="EDEF00"/>
-      </a:accent4>
-      <a:accent5>
-        <a:srgbClr val="24CBE5"/>
-      </a:accent5>
-      <a:accent6>
-        <a:srgbClr val="64E572"/>
-      </a:accent6>
-      <a:hlink>
-        <a:srgbClr val="2200CC"/>
-      </a:hlink>
-      <a:folHlink>
-        <a:srgbClr val="551A8B"/>
-      </a:folHlink>
-    </a:clrScheme>
-    <a:fontScheme name="Office">
-      <a:majorFont>
-        <a:latin typeface="Arial"/>
-        <a:ea typeface=""/>
-        <a:cs typeface=""/>
-        <a:font script="Jpan" typeface="ＭＳ Ｐゴシック"/>
-        <a:font script="Hang" typeface="맑은 고딕"/>
-        <a:font script="Hans" typeface="宋体"/>
-        <a:font script="Hant" typeface="新細明體"/>
-        <a:font script="Arab" typeface="Times New Roman"/>
-        <a:font script="Hebr" typeface="Times New Roman"/>
-        <a:font script="Thai" typeface="Angsana New"/>
-        <a:font script="Ethi" typeface="Nyala"/>
-        <a:font script="Beng" typeface="Vrinda"/>
-        <a:font script="Gujr" typeface="Shruti"/>
-        <a:font script="Khmr" typeface="MoolBoran"/>
-        <a:font script="Knda" typeface="Tunga"/>
-        <a:font script="Guru" typeface="Raavi"/>
-        <a:font script="Cans" typeface="Euphemia"/>
-        <a:font script="Cher" typeface="Plantagenet Cherokee"/>
-        <a:font script="Yiii" typeface="Microsoft Yi Baiti"/>
-        <a:font script="Tibt" typeface="Microsoft Himalaya"/>
-        <a:font script="Thaa" typeface="MV Boli"/>
-        <a:font script="Deva" typeface="Mangal"/>
-        <a:font script="Telu" typeface="Gautami"/>
-        <a:font script="Taml" typeface="Latha"/>
-        <a:font script="Syrc" typeface="Estrangelo Edessa"/>
-        <a:font script="Orya" typeface="Kalinga"/>
-        <a:font script="Mlym" typeface="Kartika"/>
-        <a:font script="Laoo" typeface="DokChampa"/>
-        <a:font script="Sinh" typeface="Iskoola Pota"/>
-        <a:font script="Mong" typeface="Mongolian Baiti"/>
-        <a:font script="Viet" typeface="Times New Roman"/>
-        <a:font script="Uigh" typeface="Microsoft Uighur"/>
-        <a:font script="Geor" typeface="Sylfaen"/>
-      </a:majorFont>
-      <a:minorFont>
-        <a:latin typeface="Arial"/>
-        <a:ea typeface=""/>
-        <a:cs typeface=""/>
-        <a:font script="Jpan" typeface="ＭＳ Ｐゴシック"/>
-        <a:font script="Hang" typeface="맑은 고딕"/>
-        <a:font script="Hans" typeface="宋体"/>
-        <a:font script="Hant" typeface="新細明體"/>
-        <a:font script="Arab" typeface="Arial"/>
-        <a:font script="Hebr" typeface="Arial"/>
-        <a:font script="Thai" typeface="Cordia New"/>
-        <a:font script="Ethi" typeface="Nyala"/>
-        <a:font script="Beng" typeface="Vrinda"/>
-        <a:font script="Gujr" typeface="Shruti"/>
-        <a:font script="Khmr" typeface="DaunPenh"/>
-        <a:font script="Knda" typeface="Tunga"/>
-        <a:font script="Guru" typeface="Raavi"/>
-        <a:font script="Cans" typeface="Euphemia"/>
-        <a:font script="Cher" typeface="Plantagenet Cherokee"/>
-        <a:font script="Yiii" typeface="Microsoft Yi Baiti"/>
-        <a:font script="Tibt" typeface="Microsoft Himalaya"/>
-        <a:font script="Thaa" typeface="MV Boli"/>
-        <a:font script="Deva" typeface="Mangal"/>
-        <a:font script="Telu" typeface="Gautami"/>
-        <a:font script="Taml" typeface="Latha"/>
-        <a:font script="Syrc" typeface="Estrangelo Edessa"/>
-        <a:font script="Orya" typeface="Kalinga"/>
-        <a:font script="Mlym" typeface="Kartika"/>
-        <a:font script="Laoo" typeface="DokChampa"/>
-        <a:font script="Sinh" typeface="Iskoola Pota"/>
-        <a:font script="Mong" typeface="Mongolian Baiti"/>
-        <a:font script="Viet" typeface="Arial"/>
-        <a:font script="Uigh" typeface="Microsoft Uighur"/>
-        <a:font script="Geor" typeface="Sylfaen"/>
-      </a:minorFont>
-    </a:fontScheme>
-    <a:fmtScheme name="Office">
-      <a:fillStyleLst>
-        <a:solidFill>
-          <a:schemeClr val="phClr"/>
-        </a:solidFill>
-        <a:gradFill rotWithShape="1">
-          <a:gsLst>
-            <a:gs pos="0">
-              <a:schemeClr val="phClr">
-                <a:tint val="50000"/>
-                <a:satMod val="300000"/>
-              </a:schemeClr>
-            </a:gs>
-            <a:gs pos="35000">
-              <a:schemeClr val="phClr">
-                <a:tint val="37000"/>
-                <a:satMod val="300000"/>
-              </a:schemeClr>
-            </a:gs>
-            <a:gs pos="100000">
-              <a:schemeClr val="phClr">
-                <a:tint val="15000"/>
-                <a:satMod val="350000"/>
-              </a:schemeClr>
-            </a:gs>
-          </a:gsLst>
-          <a:lin ang="16200000" scaled="1"/>
-        </a:gradFill>
-        <a:gradFill rotWithShape="1">
-          <a:gsLst>
-            <a:gs pos="0">
-              <a:schemeClr val="phClr">
-                <a:tint val="100000"/>
-                <a:shade val="100000"/>
-                <a:satMod val="130000"/>
-              </a:schemeClr>
-            </a:gs>
-            <a:gs pos="100000">
-              <a:schemeClr val="phClr">
-                <a:tint val="50000"/>
-                <a:shade val="100000"/>
-                <a:satMod val="350000"/>
-              </a:schemeClr>
-            </a:gs>
-          </a:gsLst>
-          <a:lin ang="16200000" scaled="0"/>
-        </a:gradFill>
-      </a:fillStyleLst>
-      <a:lnStyleLst>
-        <a:ln w="9525" cap="flat" cmpd="sng" algn="ctr">
-          <a:solidFill>
-            <a:schemeClr val="phClr">
-              <a:shade val="95000"/>
-              <a:satMod val="105000"/>
-            </a:schemeClr>
-          </a:solidFill>
-          <a:prstDash val="solid"/>
-        </a:ln>
-        <a:ln w="25400" cap="flat" cmpd="sng" algn="ctr">
-          <a:solidFill>
-            <a:schemeClr val="phClr"/>
-          </a:solidFill>
-          <a:prstDash val="solid"/>
-        </a:ln>
-        <a:ln w="38100" cap="flat" cmpd="sng" algn="ctr">
-          <a:solidFill>
-            <a:schemeClr val="phClr"/>
-          </a:solidFill>
-          <a:prstDash val="solid"/>
-        </a:ln>
-      </a:lnStyleLst>
-      <a:effectStyleLst>
-        <a:effectStyle>
-          <a:effectLst>
-            <a:outerShdw blurRad="40000" dist="20000" dir="5400000" rotWithShape="0">
-              <a:srgbClr val="000000">
-                <a:alpha val="38000"/>
-              </a:srgbClr>
-            </a:outerShdw>
-          </a:effectLst>
-        </a:effectStyle>
-        <a:effectStyle>
-          <a:effectLst>
-            <a:outerShdw blurRad="40000" dist="23000" dir="5400000" rotWithShape="0">
-              <a:srgbClr val="000000">
-                <a:alpha val="35000"/>
-              </a:srgbClr>
-            </a:outerShdw>
-          </a:effectLst>
-        </a:effectStyle>
-        <a:effectStyle>
-          <a:effectLst>
-            <a:outerShdw blurRad="40000" dist="23000" dir="5400000" rotWithShape="0">
-              <a:srgbClr val="000000">
-                <a:alpha val="35000"/>
-              </a:srgbClr>
-            </a:outerShdw>
-          </a:effectLst>
-          <a:scene3d>
-            <a:camera prst="orthographicFront">
-              <a:rot lat="0" lon="0" rev="0"/>
-            </a:camera>
-            <a:lightRig rig="threePt" dir="t">
-              <a:rot lat="0" lon="0" rev="1200000"/>
-            </a:lightRig>
-          </a:scene3d>
-          <a:sp3d>
-            <a:bevelT w="63500" h="25400"/>
-          </a:sp3d>
-        </a:effectStyle>
-      </a:effectStyleLst>
-      <a:bgFillStyleLst>
-        <a:solidFill>
-          <a:schemeClr val="phClr"/>
-        </a:solidFill>
-        <a:gradFill rotWithShape="1">
-          <a:gsLst>
-            <a:gs pos="0">
-              <a:schemeClr val="phClr">
-                <a:tint val="40000"/>
-                <a:satMod val="350000"/>
-              </a:schemeClr>
-            </a:gs>
-            <a:gs pos="40000">
-              <a:schemeClr val="phClr">
-                <a:tint val="45000"/>
-                <a:shade val="99000"/>
-                <a:satMod val="350000"/>
-              </a:schemeClr>
-            </a:gs>
-            <a:gs pos="100000">
-              <a:schemeClr val="phClr">
-                <a:shade val="20000"/>
-                <a:satMod val="255000"/>
-              </a:schemeClr>
-            </a:gs>
-          </a:gsLst>
-          <a:path path="circle">
-            <a:fillToRect l="50000" t="-80000" r="50000" b="180000"/>
-          </a:path>
-        </a:gradFill>
-        <a:gradFill rotWithShape="1">
-          <a:gsLst>
-            <a:gs pos="0">
-              <a:schemeClr val="phClr">
-                <a:tint val="80000"/>
-                <a:satMod val="300000"/>
-              </a:schemeClr>
-            </a:gs>
-            <a:gs pos="100000">
-              <a:schemeClr val="phClr">
-                <a:shade val="30000"/>
-                <a:satMod val="200000"/>
-              </a:schemeClr>
-            </a:gs>
-          </a:gsLst>
-          <a:path path="circle">
-            <a:fillToRect l="50000" t="50000" r="50000" b="50000"/>
-          </a:path>
-        </a:gradFill>
-      </a:bgFillStyleLst>
-    </a:fmtScheme>
-  </a:themeElements>
-</a:theme>
 </file>